--- a/prezentacija.pptx
+++ b/prezentacija.pptx
@@ -5,7 +5,7 @@
     <p:sldMasterId id="2147483648" r:id="rId4"/>
   </p:sldMasterIdLst>
   <p:notesMasterIdLst>
-    <p:notesMasterId r:id="rId17"/>
+    <p:notesMasterId r:id="rId18"/>
   </p:notesMasterIdLst>
   <p:sldIdLst>
     <p:sldId id="530" r:id="rId5"/>
@@ -18,8 +18,9 @@
     <p:sldId id="550" r:id="rId12"/>
     <p:sldId id="549" r:id="rId13"/>
     <p:sldId id="551" r:id="rId14"/>
-    <p:sldId id="543" r:id="rId15"/>
-    <p:sldId id="544" r:id="rId16"/>
+    <p:sldId id="552" r:id="rId15"/>
+    <p:sldId id="543" r:id="rId16"/>
+    <p:sldId id="544" r:id="rId17"/>
   </p:sldIdLst>
   <p:sldSz cx="12192000" cy="6858000"/>
   <p:notesSz cx="6858000" cy="9144000"/>
@@ -17838,131 +17839,7 @@
           <p:cNvPr id="2" name="Title 1">
             <a:extLst>
               <a:ext uri="{FF2B5EF4-FFF2-40B4-BE49-F238E27FC236}">
-                <a16:creationId xmlns:a16="http://schemas.microsoft.com/office/drawing/2014/main" id="{48C5BC92-868A-26B2-CBC0-C9D94E65F1A4}"/>
-              </a:ext>
-            </a:extLst>
-          </p:cNvPr>
-          <p:cNvSpPr>
-            <a:spLocks noGrp="1"/>
-          </p:cNvSpPr>
-          <p:nvPr>
-            <p:ph type="ctrTitle"/>
-          </p:nvPr>
-        </p:nvSpPr>
-        <p:spPr/>
-        <p:txBody>
-          <a:bodyPr/>
-          <a:lstStyle/>
-          <a:p>
-            <a:r>
-              <a:rPr lang="sr-Latn-RS" sz="4000" b="1" spc="600" dirty="0">
-                <a:ln w="28575">
-                  <a:noFill/>
-                  <a:prstDash val="solid"/>
-                </a:ln>
-                <a:solidFill>
-                  <a:schemeClr val="bg1"/>
-                </a:solidFill>
-                <a:latin typeface="Tw Cen MT" panose="020B0602020104020603" pitchFamily="34" charset="77"/>
-                <a:ea typeface="Verdana" panose="020B0604030504040204" pitchFamily="34" charset="0"/>
-                <a:cs typeface="Verdana" panose="020B0604030504040204" pitchFamily="34" charset="0"/>
-              </a:rPr>
-              <a:t>Zaključak</a:t>
-            </a:r>
-            <a:endParaRPr lang="en-US" dirty="0"/>
-          </a:p>
-        </p:txBody>
-      </p:sp>
-      <p:sp>
-        <p:nvSpPr>
-          <p:cNvPr id="3" name="Subtitle 2">
-            <a:extLst>
-              <a:ext uri="{FF2B5EF4-FFF2-40B4-BE49-F238E27FC236}">
-                <a16:creationId xmlns:a16="http://schemas.microsoft.com/office/drawing/2014/main" id="{6F9C1627-7A56-025E-482D-E2AB014EDF92}"/>
-              </a:ext>
-            </a:extLst>
-          </p:cNvPr>
-          <p:cNvSpPr>
-            <a:spLocks noGrp="1"/>
-          </p:cNvSpPr>
-          <p:nvPr>
-            <p:ph type="subTitle" idx="1"/>
-          </p:nvPr>
-        </p:nvSpPr>
-        <p:spPr/>
-        <p:txBody>
-          <a:bodyPr/>
-          <a:lstStyle/>
-          <a:p>
-            <a:r>
-              <a:rPr lang="en-US" sz="1800" dirty="0" err="1">
-                <a:solidFill>
-                  <a:schemeClr val="bg1"/>
-                </a:solidFill>
-                <a:latin typeface="Segoe UI Light" panose="020B0502040204020203" pitchFamily="34" charset="0"/>
-                <a:ea typeface="+mn-lt"/>
-                <a:cs typeface="Segoe UI Light" panose="020B0502040204020203" pitchFamily="34" charset="0"/>
-              </a:rPr>
-              <a:t>Zaklju</a:t>
-            </a:r>
-            <a:r>
-              <a:rPr lang="en-US" dirty="0" err="1">
-                <a:latin typeface="Segoe UI Light" panose="020B0502040204020203" pitchFamily="34" charset="0"/>
-                <a:ea typeface="+mn-lt"/>
-                <a:cs typeface="Segoe UI Light" panose="020B0502040204020203" pitchFamily="34" charset="0"/>
-              </a:rPr>
-              <a:t>cak</a:t>
-            </a:r>
-            <a:endParaRPr lang="en-US" sz="1800" dirty="0">
-              <a:solidFill>
-                <a:schemeClr val="bg1"/>
-              </a:solidFill>
-              <a:latin typeface="Segoe UI Light" panose="020B0502040204020203" pitchFamily="34" charset="0"/>
-              <a:ea typeface="+mn-lt"/>
-              <a:cs typeface="Segoe UI Light" panose="020B0502040204020203" pitchFamily="34" charset="0"/>
-            </a:endParaRPr>
-          </a:p>
-          <a:p>
-            <a:endParaRPr lang="en-US" dirty="0"/>
-          </a:p>
-        </p:txBody>
-      </p:sp>
-    </p:spTree>
-    <p:extLst>
-      <p:ext uri="{BB962C8B-B14F-4D97-AF65-F5344CB8AC3E}">
-        <p14:creationId xmlns:p14="http://schemas.microsoft.com/office/powerpoint/2010/main" val="1958759625"/>
-      </p:ext>
-    </p:extLst>
-  </p:cSld>
-  <p:clrMapOvr>
-    <a:masterClrMapping/>
-  </p:clrMapOvr>
-</p:sld>
-</file>
-
-<file path=ppt/slides/slide12.xml><?xml version="1.0" encoding="utf-8"?>
-<p:sld xmlns:a="http://schemas.openxmlformats.org/drawingml/2006/main" xmlns:r="http://schemas.openxmlformats.org/officeDocument/2006/relationships" xmlns:p="http://schemas.openxmlformats.org/presentationml/2006/main">
-  <p:cSld>
-    <p:spTree>
-      <p:nvGrpSpPr>
-        <p:cNvPr id="1" name=""/>
-        <p:cNvGrpSpPr/>
-        <p:nvPr/>
-      </p:nvGrpSpPr>
-      <p:grpSpPr>
-        <a:xfrm>
-          <a:off x="0" y="0"/>
-          <a:ext cx="0" cy="0"/>
-          <a:chOff x="0" y="0"/>
-          <a:chExt cx="0" cy="0"/>
-        </a:xfrm>
-      </p:grpSpPr>
-      <p:sp>
-        <p:nvSpPr>
-          <p:cNvPr id="2" name="Title 1">
-            <a:extLst>
-              <a:ext uri="{FF2B5EF4-FFF2-40B4-BE49-F238E27FC236}">
-                <a16:creationId xmlns:a16="http://schemas.microsoft.com/office/drawing/2014/main" id="{2C9E1892-81E6-551C-7B5A-DEA68224520B}"/>
+                <a16:creationId xmlns:a16="http://schemas.microsoft.com/office/drawing/2014/main" id="{189E73D4-535B-6DCC-2268-43A5E9E12C45}"/>
               </a:ext>
             </a:extLst>
           </p:cNvPr>
@@ -17973,202 +17850,58 @@
             <p:ph type="title"/>
           </p:nvPr>
         </p:nvSpPr>
-        <p:spPr/>
+        <p:spPr>
+          <a:xfrm>
+            <a:off x="1459611" y="443866"/>
+            <a:ext cx="8878824" cy="713232"/>
+          </a:xfrm>
+        </p:spPr>
         <p:txBody>
           <a:bodyPr/>
           <a:lstStyle/>
           <a:p>
             <a:r>
-              <a:rPr lang="sr-Latn-RS" sz="4800" b="1" spc="600" dirty="0">
-                <a:ln w="28575">
-                  <a:noFill/>
-                  <a:prstDash val="solid"/>
-                </a:ln>
-                <a:solidFill>
-                  <a:schemeClr val="bg1"/>
-                </a:solidFill>
-                <a:latin typeface="Tw Cen MT" panose="020B0602020104020603" pitchFamily="34" charset="77"/>
-              </a:rPr>
-              <a:t>Hvala na pažnji</a:t>
-            </a:r>
-            <a:endParaRPr lang="en-US" dirty="0"/>
-          </a:p>
-        </p:txBody>
-      </p:sp>
-      <p:sp>
-        <p:nvSpPr>
-          <p:cNvPr id="3" name="Text Placeholder 2">
-            <a:extLst>
-              <a:ext uri="{FF2B5EF4-FFF2-40B4-BE49-F238E27FC236}">
-                <a16:creationId xmlns:a16="http://schemas.microsoft.com/office/drawing/2014/main" id="{55519D01-29BE-BE76-41C5-9D58AD8119DC}"/>
-              </a:ext>
-            </a:extLst>
-          </p:cNvPr>
-          <p:cNvSpPr>
-            <a:spLocks noGrp="1"/>
-          </p:cNvSpPr>
-          <p:nvPr>
-            <p:ph type="body" idx="1"/>
-          </p:nvPr>
-        </p:nvSpPr>
-        <p:spPr/>
-        <p:txBody>
-          <a:bodyPr/>
-          <a:lstStyle/>
-          <a:p>
-            <a:pPr algn="l"/>
-            <a:r>
-              <a:rPr lang="en-US" dirty="0">
-                <a:latin typeface="Segoe UI Light" panose="020B0502040204020203" pitchFamily="34" charset="0"/>
-                <a:cs typeface="Segoe UI Light" panose="020B0502040204020203" pitchFamily="34" charset="0"/>
-              </a:rPr>
-              <a:t>Nikola </a:t>
-            </a:r>
-            <a:r>
               <a:rPr lang="en-US" dirty="0" err="1">
-                <a:latin typeface="Segoe UI Light" panose="020B0502040204020203" pitchFamily="34" charset="0"/>
-                <a:cs typeface="Segoe UI Light" panose="020B0502040204020203" pitchFamily="34" charset="0"/>
-              </a:rPr>
-              <a:t>Veselinovi</a:t>
-            </a:r>
-            <a:r>
-              <a:rPr lang="sr-Latn-RS" dirty="0">
-                <a:latin typeface="Segoe UI Light" panose="020B0502040204020203" pitchFamily="34" charset="0"/>
-                <a:cs typeface="Segoe UI Light" panose="020B0502040204020203" pitchFamily="34" charset="0"/>
-              </a:rPr>
-              <a:t>ć</a:t>
-            </a:r>
-            <a:endParaRPr lang="en-US" dirty="0">
-              <a:latin typeface="Segoe UI Light" panose="020B0502040204020203" pitchFamily="34" charset="0"/>
-              <a:cs typeface="Segoe UI Light" panose="020B0502040204020203" pitchFamily="34" charset="0"/>
-            </a:endParaRPr>
-          </a:p>
-          <a:p>
-            <a:pPr algn="l"/>
-            <a:r>
-              <a:rPr lang="sr-Latn-RS" dirty="0">
-                <a:solidFill>
-                  <a:srgbClr val="C5D1D3"/>
-                </a:solidFill>
-                <a:latin typeface="Roboto" panose="020F0502020204030204" pitchFamily="2" charset="0"/>
-                <a:hlinkClick r:id="rId2"/>
-              </a:rPr>
-              <a:t>m</a:t>
-            </a:r>
-            <a:r>
-              <a:rPr lang="en-US" i="0" dirty="0">
-                <a:solidFill>
-                  <a:srgbClr val="C5D1D3"/>
-                </a:solidFill>
-                <a:effectLst/>
-                <a:latin typeface="Roboto" panose="020F0502020204030204" pitchFamily="2" charset="0"/>
-                <a:hlinkClick r:id="rId2"/>
-              </a:rPr>
-              <a:t>i15200@alas.matf.bg.ac.rs</a:t>
-            </a:r>
-            <a:endParaRPr lang="sr-Latn-RS" i="0" dirty="0">
-              <a:solidFill>
-                <a:srgbClr val="C5D1D3"/>
-              </a:solidFill>
-              <a:effectLst/>
-              <a:latin typeface="Roboto" panose="020F0502020204030204" pitchFamily="2" charset="0"/>
-            </a:endParaRPr>
-          </a:p>
-          <a:p>
-            <a:pPr algn="l"/>
-            <a:r>
-              <a:rPr lang="en-US" dirty="0">
-                <a:hlinkClick r:id="rId3"/>
-              </a:rPr>
-              <a:t>https://github.com/MATF-istrazivanje-podataka-1/2023_Data_Mining_Amazon_reviews_Dataset</a:t>
-            </a:r>
-            <a:endParaRPr lang="sr-Latn-RS" dirty="0">
-              <a:solidFill>
-                <a:srgbClr val="C5D1D3"/>
-              </a:solidFill>
-              <a:latin typeface="Roboto" panose="020F0502020204030204" pitchFamily="2" charset="0"/>
-            </a:endParaRPr>
-          </a:p>
-          <a:p>
-            <a:pPr algn="l"/>
-            <a:endParaRPr lang="en-US" dirty="0"/>
-          </a:p>
-        </p:txBody>
-      </p:sp>
-    </p:spTree>
-    <p:extLst>
-      <p:ext uri="{BB962C8B-B14F-4D97-AF65-F5344CB8AC3E}">
-        <p14:creationId xmlns:p14="http://schemas.microsoft.com/office/powerpoint/2010/main" val="1877701230"/>
-      </p:ext>
-    </p:extLst>
-  </p:cSld>
-  <p:clrMapOvr>
-    <a:masterClrMapping/>
-  </p:clrMapOvr>
-</p:sld>
-</file>
-
-<file path=ppt/slides/slide2.xml><?xml version="1.0" encoding="utf-8"?>
-<p:sld xmlns:a="http://schemas.openxmlformats.org/drawingml/2006/main" xmlns:r="http://schemas.openxmlformats.org/officeDocument/2006/relationships" xmlns:p="http://schemas.openxmlformats.org/presentationml/2006/main">
-  <p:cSld>
-    <p:spTree>
-      <p:nvGrpSpPr>
-        <p:cNvPr id="1" name=""/>
-        <p:cNvGrpSpPr/>
-        <p:nvPr/>
-      </p:nvGrpSpPr>
-      <p:grpSpPr>
-        <a:xfrm>
-          <a:off x="0" y="0"/>
-          <a:ext cx="0" cy="0"/>
-          <a:chOff x="0" y="0"/>
-          <a:chExt cx="0" cy="0"/>
-        </a:xfrm>
-      </p:grpSpPr>
-      <p:sp>
-        <p:nvSpPr>
-          <p:cNvPr id="2" name="Title 1">
-            <a:extLst>
-              <a:ext uri="{FF2B5EF4-FFF2-40B4-BE49-F238E27FC236}">
-                <a16:creationId xmlns:a16="http://schemas.microsoft.com/office/drawing/2014/main" id="{D249E45E-D6A7-9780-F652-BAF86DFBCC00}"/>
-              </a:ext>
-            </a:extLst>
-          </p:cNvPr>
-          <p:cNvSpPr>
-            <a:spLocks noGrp="1"/>
-          </p:cNvSpPr>
-          <p:nvPr>
-            <p:ph type="title"/>
-          </p:nvPr>
-        </p:nvSpPr>
-        <p:spPr>
-          <a:xfrm>
-            <a:off x="1545336" y="822960"/>
-            <a:ext cx="8878824" cy="596265"/>
-          </a:xfrm>
-        </p:spPr>
-        <p:txBody>
-          <a:bodyPr/>
-          <a:lstStyle/>
-          <a:p>
-            <a:r>
-              <a:rPr lang="sr-Latn-RS" dirty="0">
                 <a:effectLst>
-                  <a:outerShdw blurRad="50800" dist="38100" dir="2700000" algn="tl" rotWithShape="0">
-                    <a:prstClr val="black">
-                      <a:alpha val="40000"/>
-                    </a:prstClr>
+                  <a:outerShdw blurRad="38100" dist="38100" dir="2700000" algn="tl">
+                    <a:srgbClr val="000000">
+                      <a:alpha val="43137"/>
+                    </a:srgbClr>
                   </a:outerShdw>
                 </a:effectLst>
               </a:rPr>
-              <a:t>Analiza skupa podataka</a:t>
+              <a:t>Pravila</a:t>
+            </a:r>
+            <a:r>
+              <a:rPr lang="en-US" dirty="0">
+                <a:effectLst>
+                  <a:outerShdw blurRad="38100" dist="38100" dir="2700000" algn="tl">
+                    <a:srgbClr val="000000">
+                      <a:alpha val="43137"/>
+                    </a:srgbClr>
+                  </a:outerShdw>
+                </a:effectLst>
+              </a:rPr>
+              <a:t> </a:t>
+            </a:r>
+            <a:r>
+              <a:rPr lang="en-US" dirty="0" err="1">
+                <a:effectLst>
+                  <a:outerShdw blurRad="38100" dist="38100" dir="2700000" algn="tl">
+                    <a:srgbClr val="000000">
+                      <a:alpha val="43137"/>
+                    </a:srgbClr>
+                  </a:outerShdw>
+                </a:effectLst>
+              </a:rPr>
+              <a:t>asocijacije</a:t>
             </a:r>
             <a:endParaRPr lang="en-US" dirty="0">
               <a:effectLst>
-                <a:outerShdw blurRad="50800" dist="38100" dir="2700000" algn="tl" rotWithShape="0">
-                  <a:prstClr val="black">
-                    <a:alpha val="40000"/>
-                  </a:prstClr>
+                <a:outerShdw blurRad="38100" dist="38100" dir="2700000" algn="tl">
+                  <a:srgbClr val="000000">
+                    <a:alpha val="43137"/>
+                  </a:srgbClr>
                 </a:outerShdw>
               </a:effectLst>
             </a:endParaRPr>
@@ -18177,10 +17910,10 @@
       </p:sp>
       <p:sp>
         <p:nvSpPr>
-          <p:cNvPr id="8" name="Slide Number Placeholder 7">
-            <a:extLst>
-              <a:ext uri="{FF2B5EF4-FFF2-40B4-BE49-F238E27FC236}">
-                <a16:creationId xmlns:a16="http://schemas.microsoft.com/office/drawing/2014/main" id="{85577A64-4E94-69E1-3180-1E014BD06B3C}"/>
+          <p:cNvPr id="6" name="Slide Number Placeholder 5">
+            <a:extLst>
+              <a:ext uri="{FF2B5EF4-FFF2-40B4-BE49-F238E27FC236}">
+                <a16:creationId xmlns:a16="http://schemas.microsoft.com/office/drawing/2014/main" id="{6459FCA3-0124-0FA6-220B-D72E8F8034C8}"/>
               </a:ext>
             </a:extLst>
           </p:cNvPr>
@@ -18198,7 +17931,7 @@
           <a:p>
             <a:fld id="{294A09A9-5501-47C1-A89A-A340965A2BE2}" type="slidenum">
               <a:rPr lang="en-US" smtClean="0"/>
-              <a:t>2</a:t>
+              <a:t>11</a:t>
             </a:fld>
             <a:endParaRPr lang="en-US" dirty="0"/>
           </a:p>
@@ -18206,10 +17939,10 @@
       </p:sp>
       <p:sp>
         <p:nvSpPr>
-          <p:cNvPr id="7" name="Footer Placeholder 6">
-            <a:extLst>
-              <a:ext uri="{FF2B5EF4-FFF2-40B4-BE49-F238E27FC236}">
-                <a16:creationId xmlns:a16="http://schemas.microsoft.com/office/drawing/2014/main" id="{A9F57080-19CA-8BBA-6050-8494551D4615}"/>
+          <p:cNvPr id="27" name="Footer Placeholder 6">
+            <a:extLst>
+              <a:ext uri="{FF2B5EF4-FFF2-40B4-BE49-F238E27FC236}">
+                <a16:creationId xmlns:a16="http://schemas.microsoft.com/office/drawing/2014/main" id="{B4E4BCA2-4314-584D-1B7A-9B159BF3C14B}"/>
               </a:ext>
             </a:extLst>
           </p:cNvPr>
@@ -18264,71 +17997,12 @@
           </a:p>
         </p:txBody>
       </p:sp>
-      <p:pic>
-        <p:nvPicPr>
-          <p:cNvPr id="18" name="Content Placeholder 17">
-            <a:extLst>
-              <a:ext uri="{FF2B5EF4-FFF2-40B4-BE49-F238E27FC236}">
-                <a16:creationId xmlns:a16="http://schemas.microsoft.com/office/drawing/2014/main" id="{631FCCF2-A95D-546D-2D9C-4F1B5E1E6494}"/>
-              </a:ext>
-            </a:extLst>
-          </p:cNvPr>
-          <p:cNvPicPr>
-            <a:picLocks noGrp="1" noChangeAspect="1"/>
-          </p:cNvPicPr>
-          <p:nvPr>
-            <p:ph sz="half" idx="2"/>
-          </p:nvPr>
-        </p:nvPicPr>
-        <p:blipFill>
-          <a:blip r:embed="rId2"/>
-          <a:stretch>
-            <a:fillRect/>
-          </a:stretch>
-        </p:blipFill>
-        <p:spPr>
-          <a:xfrm>
-            <a:off x="850392" y="1866409"/>
-            <a:ext cx="5663328" cy="1085622"/>
-          </a:xfrm>
-        </p:spPr>
-      </p:pic>
-      <p:pic>
-        <p:nvPicPr>
-          <p:cNvPr id="19" name="Picture 18">
-            <a:extLst>
-              <a:ext uri="{FF2B5EF4-FFF2-40B4-BE49-F238E27FC236}">
-                <a16:creationId xmlns:a16="http://schemas.microsoft.com/office/drawing/2014/main" id="{E0CD1F1D-6959-3AFA-4B84-8F1B5B2B33D7}"/>
-              </a:ext>
-            </a:extLst>
-          </p:cNvPr>
-          <p:cNvPicPr>
-            <a:picLocks noChangeAspect="1"/>
-          </p:cNvPicPr>
-          <p:nvPr/>
-        </p:nvPicPr>
-        <p:blipFill>
-          <a:blip r:embed="rId3"/>
-          <a:stretch>
-            <a:fillRect/>
-          </a:stretch>
-        </p:blipFill>
-        <p:spPr>
-          <a:xfrm>
-            <a:off x="850392" y="3193944"/>
-            <a:ext cx="5663328" cy="2124353"/>
-          </a:xfrm>
-          <a:prstGeom prst="rect">
-            <a:avLst/>
-          </a:prstGeom>
-        </p:spPr>
-      </p:pic>
-      <p:sp>
-        <p:nvSpPr>
-          <p:cNvPr id="21" name="Content Placeholder 12">
-            <a:extLst>
-              <a:ext uri="{FF2B5EF4-FFF2-40B4-BE49-F238E27FC236}">
-                <a16:creationId xmlns:a16="http://schemas.microsoft.com/office/drawing/2014/main" id="{45DED5F7-368E-0774-7EE8-2201D1873398}"/>
+      <p:sp>
+        <p:nvSpPr>
+          <p:cNvPr id="28" name="Content Placeholder 12">
+            <a:extLst>
+              <a:ext uri="{FF2B5EF4-FFF2-40B4-BE49-F238E27FC236}">
+                <a16:creationId xmlns:a16="http://schemas.microsoft.com/office/drawing/2014/main" id="{E12041F6-1626-48B0-48CF-142E1A95555A}"/>
               </a:ext>
             </a:extLst>
           </p:cNvPr>
@@ -18339,8 +18013,8 @@
         </p:nvSpPr>
         <p:spPr>
           <a:xfrm>
-            <a:off x="6649592" y="1866409"/>
-            <a:ext cx="4208908" cy="3451888"/>
+            <a:off x="5049392" y="1519808"/>
+            <a:ext cx="5597272" cy="4515231"/>
           </a:xfrm>
           <a:prstGeom prst="rect">
             <a:avLst/>
@@ -18528,175 +18202,12 @@
             </a:lvl9pPr>
           </a:lstStyle>
           <a:p>
-            <a:r>
-              <a:rPr lang="sr-Latn-RS" sz="2000" dirty="0">
-                <a:effectLst>
-                  <a:outerShdw blurRad="50800" dist="38100" dir="2700000" algn="tl" rotWithShape="0">
-                    <a:prstClr val="black">
-                      <a:alpha val="40000"/>
-                    </a:prstClr>
-                  </a:outerShdw>
-                </a:effectLst>
-              </a:rPr>
-              <a:t>Skup se sastoji od 1001 atributa koji su podeljeni u 2 vrste (numeričke i tekstualne)</a:t>
-            </a:r>
-          </a:p>
-          <a:p>
-            <a:r>
-              <a:rPr lang="sr-Latn-RS" sz="2000" dirty="0">
-                <a:effectLst>
-                  <a:outerShdw blurRad="50800" dist="38100" dir="2700000" algn="tl" rotWithShape="0">
-                    <a:prstClr val="black">
-                      <a:alpha val="40000"/>
-                    </a:prstClr>
-                  </a:outerShdw>
-                </a:effectLst>
-              </a:rPr>
-              <a:t>Atribut „</a:t>
-            </a:r>
-            <a:r>
-              <a:rPr lang="sr-Latn-RS" sz="2000" dirty="0" err="1">
-                <a:effectLst>
-                  <a:outerShdw blurRad="50800" dist="38100" dir="2700000" algn="tl" rotWithShape="0">
-                    <a:prstClr val="black">
-                      <a:alpha val="40000"/>
-                    </a:prstClr>
-                  </a:outerShdw>
-                </a:effectLst>
-              </a:rPr>
-              <a:t>class</a:t>
-            </a:r>
-            <a:r>
-              <a:rPr lang="sr-Latn-RS" sz="2000" dirty="0">
-                <a:effectLst>
-                  <a:outerShdw blurRad="50800" dist="38100" dir="2700000" algn="tl" rotWithShape="0">
-                    <a:prstClr val="black">
-                      <a:alpha val="40000"/>
-                    </a:prstClr>
-                  </a:outerShdw>
-                </a:effectLst>
-              </a:rPr>
-              <a:t>“ je jedini tekstualni i predstavlja ima Autora komentara</a:t>
-            </a:r>
-          </a:p>
-          <a:p>
-            <a:r>
-              <a:rPr lang="sr-Latn-RS" sz="2000" dirty="0">
-                <a:effectLst>
-                  <a:outerShdw blurRad="50800" dist="38100" dir="2700000" algn="tl" rotWithShape="0">
-                    <a:prstClr val="black">
-                      <a:alpha val="40000"/>
-                    </a:prstClr>
-                  </a:outerShdw>
-                </a:effectLst>
-              </a:rPr>
-              <a:t>Ostali atributi zajedno sa svojim vrednostima predstavljaju sadržaj komentara</a:t>
-            </a:r>
-          </a:p>
-          <a:p>
-            <a:r>
-              <a:rPr lang="sr-Latn-RS" sz="2000" dirty="0">
-                <a:effectLst>
-                  <a:outerShdw blurRad="50800" dist="38100" dir="2700000" algn="tl" rotWithShape="0">
-                    <a:prstClr val="black">
-                      <a:alpha val="40000"/>
-                    </a:prstClr>
-                  </a:outerShdw>
-                </a:effectLst>
-              </a:rPr>
-              <a:t>Ne postoje nedostajuće vrednosti</a:t>
-            </a:r>
-          </a:p>
-          <a:p>
-            <a:r>
-              <a:rPr lang="sr-Latn-RS" sz="2000" dirty="0">
-                <a:effectLst>
-                  <a:outerShdw blurRad="50800" dist="38100" dir="2700000" algn="tl" rotWithShape="0">
-                    <a:prstClr val="black">
-                      <a:alpha val="40000"/>
-                    </a:prstClr>
-                  </a:outerShdw>
-                </a:effectLst>
-              </a:rPr>
-              <a:t>Jednak broj komentara po autoru</a:t>
-            </a:r>
-          </a:p>
-        </p:txBody>
-      </p:sp>
-    </p:spTree>
-    <p:extLst>
-      <p:ext uri="{BB962C8B-B14F-4D97-AF65-F5344CB8AC3E}">
-        <p14:creationId xmlns:p14="http://schemas.microsoft.com/office/powerpoint/2010/main" val="765210901"/>
-      </p:ext>
-    </p:extLst>
-  </p:cSld>
-  <p:clrMapOvr>
-    <a:masterClrMapping/>
-  </p:clrMapOvr>
-</p:sld>
-</file>
-
-<file path=ppt/slides/slide3.xml><?xml version="1.0" encoding="utf-8"?>
-<p:sld xmlns:a="http://schemas.openxmlformats.org/drawingml/2006/main" xmlns:r="http://schemas.openxmlformats.org/officeDocument/2006/relationships" xmlns:p="http://schemas.openxmlformats.org/presentationml/2006/main">
-  <p:cSld>
-    <p:spTree>
-      <p:nvGrpSpPr>
-        <p:cNvPr id="1" name=""/>
-        <p:cNvGrpSpPr/>
-        <p:nvPr/>
-      </p:nvGrpSpPr>
-      <p:grpSpPr>
-        <a:xfrm>
-          <a:off x="0" y="0"/>
-          <a:ext cx="0" cy="0"/>
-          <a:chOff x="0" y="0"/>
-          <a:chExt cx="0" cy="0"/>
-        </a:xfrm>
-      </p:grpSpPr>
-      <p:sp>
-        <p:nvSpPr>
-          <p:cNvPr id="2" name="Title 1">
-            <a:extLst>
-              <a:ext uri="{FF2B5EF4-FFF2-40B4-BE49-F238E27FC236}">
-                <a16:creationId xmlns:a16="http://schemas.microsoft.com/office/drawing/2014/main" id="{189E73D4-535B-6DCC-2268-43A5E9E12C45}"/>
-              </a:ext>
-            </a:extLst>
-          </p:cNvPr>
-          <p:cNvSpPr>
-            <a:spLocks noGrp="1"/>
-          </p:cNvSpPr>
-          <p:nvPr>
-            <p:ph type="title"/>
-          </p:nvPr>
-        </p:nvSpPr>
-        <p:spPr>
-          <a:xfrm>
-            <a:off x="1545336" y="822960"/>
-            <a:ext cx="8878824" cy="713232"/>
-          </a:xfrm>
-        </p:spPr>
-        <p:txBody>
-          <a:bodyPr/>
-          <a:lstStyle/>
-          <a:p>
-            <a:r>
-              <a:rPr lang="sr-Latn-RS" dirty="0" err="1">
-                <a:effectLst>
-                  <a:outerShdw blurRad="38100" dist="38100" dir="2700000" algn="tl">
-                    <a:srgbClr val="000000">
-                      <a:alpha val="43137"/>
-                    </a:srgbClr>
-                  </a:outerShdw>
-                </a:effectLst>
-              </a:rPr>
-              <a:t>Pretprocesiranje</a:t>
-            </a:r>
-            <a:endParaRPr lang="en-US" dirty="0">
+            <a:endParaRPr lang="sr-Latn-RS" sz="2000" dirty="0">
               <a:effectLst>
-                <a:outerShdw blurRad="38100" dist="38100" dir="2700000" algn="tl">
-                  <a:srgbClr val="000000">
-                    <a:alpha val="43137"/>
-                  </a:srgbClr>
+                <a:outerShdw blurRad="50800" dist="38100" dir="2700000" algn="tl" rotWithShape="0">
+                  <a:prstClr val="black">
+                    <a:alpha val="40000"/>
+                  </a:prstClr>
                 </a:outerShdw>
               </a:effectLst>
             </a:endParaRPr>
@@ -18705,181 +18216,10 @@
       </p:sp>
       <p:sp>
         <p:nvSpPr>
-          <p:cNvPr id="6" name="Slide Number Placeholder 5">
-            <a:extLst>
-              <a:ext uri="{FF2B5EF4-FFF2-40B4-BE49-F238E27FC236}">
-                <a16:creationId xmlns:a16="http://schemas.microsoft.com/office/drawing/2014/main" id="{6459FCA3-0124-0FA6-220B-D72E8F8034C8}"/>
-              </a:ext>
-            </a:extLst>
-          </p:cNvPr>
-          <p:cNvSpPr>
-            <a:spLocks noGrp="1"/>
-          </p:cNvSpPr>
-          <p:nvPr>
-            <p:ph type="sldNum" sz="quarter" idx="12"/>
-          </p:nvPr>
-        </p:nvSpPr>
-        <p:spPr/>
-        <p:txBody>
-          <a:bodyPr/>
-          <a:lstStyle/>
-          <a:p>
-            <a:fld id="{294A09A9-5501-47C1-A89A-A340965A2BE2}" type="slidenum">
-              <a:rPr lang="en-US" smtClean="0"/>
-              <a:t>3</a:t>
-            </a:fld>
-            <a:endParaRPr lang="en-US" dirty="0"/>
-          </a:p>
-        </p:txBody>
-      </p:sp>
-      <p:pic>
-        <p:nvPicPr>
-          <p:cNvPr id="23" name="Picture 22">
-            <a:extLst>
-              <a:ext uri="{FF2B5EF4-FFF2-40B4-BE49-F238E27FC236}">
-                <a16:creationId xmlns:a16="http://schemas.microsoft.com/office/drawing/2014/main" id="{3BEC46A9-EFA2-59E5-0D38-5DD6085E20CD}"/>
-              </a:ext>
-            </a:extLst>
-          </p:cNvPr>
-          <p:cNvPicPr>
-            <a:picLocks noChangeAspect="1"/>
-          </p:cNvPicPr>
-          <p:nvPr/>
-        </p:nvPicPr>
-        <p:blipFill>
-          <a:blip r:embed="rId2">
-            <a:extLst>
-              <a:ext uri="{28A0092B-C50C-407E-A947-70E740481C1C}">
-                <a14:useLocalDpi xmlns:a14="http://schemas.microsoft.com/office/drawing/2010/main" val="0"/>
-              </a:ext>
-            </a:extLst>
-          </a:blip>
-          <a:srcRect/>
-          <a:stretch>
-            <a:fillRect/>
-          </a:stretch>
-        </p:blipFill>
-        <p:spPr bwMode="auto">
-          <a:xfrm>
-            <a:off x="1545336" y="1536192"/>
-            <a:ext cx="3064764" cy="2239966"/>
-          </a:xfrm>
-          <a:prstGeom prst="rect">
-            <a:avLst/>
-          </a:prstGeom>
-          <a:noFill/>
-          <a:ln>
-            <a:noFill/>
-          </a:ln>
-        </p:spPr>
-      </p:pic>
-      <p:pic>
-        <p:nvPicPr>
-          <p:cNvPr id="24" name="Picture 23">
-            <a:extLst>
-              <a:ext uri="{FF2B5EF4-FFF2-40B4-BE49-F238E27FC236}">
-                <a16:creationId xmlns:a16="http://schemas.microsoft.com/office/drawing/2014/main" id="{93CFBC1D-6C3D-1A42-8113-425C7A644020}"/>
-              </a:ext>
-            </a:extLst>
-          </p:cNvPr>
-          <p:cNvPicPr>
-            <a:picLocks noChangeAspect="1"/>
-          </p:cNvPicPr>
-          <p:nvPr/>
-        </p:nvPicPr>
-        <p:blipFill>
-          <a:blip r:embed="rId3">
-            <a:extLst>
-              <a:ext uri="{28A0092B-C50C-407E-A947-70E740481C1C}">
-                <a14:useLocalDpi xmlns:a14="http://schemas.microsoft.com/office/drawing/2010/main" val="0"/>
-              </a:ext>
-            </a:extLst>
-          </a:blip>
-          <a:srcRect/>
-          <a:stretch>
-            <a:fillRect/>
-          </a:stretch>
-        </p:blipFill>
-        <p:spPr bwMode="auto">
-          <a:xfrm>
-            <a:off x="1545336" y="3950523"/>
-            <a:ext cx="3064764" cy="2224984"/>
-          </a:xfrm>
-          <a:prstGeom prst="rect">
-            <a:avLst/>
-          </a:prstGeom>
-          <a:noFill/>
-          <a:ln>
-            <a:noFill/>
-          </a:ln>
-        </p:spPr>
-      </p:pic>
-      <p:sp>
-        <p:nvSpPr>
-          <p:cNvPr id="27" name="Footer Placeholder 6">
-            <a:extLst>
-              <a:ext uri="{FF2B5EF4-FFF2-40B4-BE49-F238E27FC236}">
-                <a16:creationId xmlns:a16="http://schemas.microsoft.com/office/drawing/2014/main" id="{B4E4BCA2-4314-584D-1B7A-9B159BF3C14B}"/>
-              </a:ext>
-            </a:extLst>
-          </p:cNvPr>
-          <p:cNvSpPr>
-            <a:spLocks noGrp="1"/>
-          </p:cNvSpPr>
-          <p:nvPr>
-            <p:ph type="ftr" sz="quarter" idx="11"/>
-          </p:nvPr>
-        </p:nvSpPr>
-        <p:spPr>
-          <a:xfrm>
-            <a:off x="466344" y="6153912"/>
-            <a:ext cx="3838956" cy="310896"/>
-          </a:xfrm>
-        </p:spPr>
-        <p:txBody>
-          <a:bodyPr/>
-          <a:lstStyle/>
-          <a:p>
-            <a:r>
-              <a:rPr lang="sr-Latn-RS" sz="1200" kern="1400" spc="-50" dirty="0">
-                <a:effectLst>
-                  <a:outerShdw blurRad="50800" dist="38100" dir="2700000" algn="tl" rotWithShape="0">
-                    <a:prstClr val="black">
-                      <a:alpha val="40000"/>
-                    </a:prstClr>
-                  </a:outerShdw>
-                </a:effectLst>
-                <a:latin typeface="Calibri Light" panose="020F0302020204030204" pitchFamily="34" charset="0"/>
-                <a:ea typeface="Times New Roman" panose="02020603050405020304" pitchFamily="18" charset="0"/>
-                <a:cs typeface="Times New Roman" panose="02020603050405020304" pitchFamily="18" charset="0"/>
-              </a:rPr>
-              <a:t>Analiza skupa podataka  „</a:t>
-            </a:r>
-            <a:r>
-              <a:rPr lang="en-US" sz="1200" kern="1400" spc="-50" dirty="0">
-                <a:effectLst>
-                  <a:outerShdw blurRad="50800" dist="38100" dir="2700000" algn="tl" rotWithShape="0">
-                    <a:prstClr val="black">
-                      <a:alpha val="40000"/>
-                    </a:prstClr>
-                  </a:outerShdw>
-                </a:effectLst>
-                <a:latin typeface="Calibri Light" panose="020F0302020204030204" pitchFamily="34" charset="0"/>
-                <a:ea typeface="Times New Roman" panose="02020603050405020304" pitchFamily="18" charset="0"/>
-                <a:cs typeface="Times New Roman" panose="02020603050405020304" pitchFamily="18" charset="0"/>
-              </a:rPr>
-              <a:t>Data Mining Amazon reviews Dataset”</a:t>
-            </a:r>
-            <a:endParaRPr lang="en-US" dirty="0"/>
-          </a:p>
-        </p:txBody>
-      </p:sp>
-      <p:sp>
-        <p:nvSpPr>
-          <p:cNvPr id="28" name="Content Placeholder 12">
-            <a:extLst>
-              <a:ext uri="{FF2B5EF4-FFF2-40B4-BE49-F238E27FC236}">
-                <a16:creationId xmlns:a16="http://schemas.microsoft.com/office/drawing/2014/main" id="{E12041F6-1626-48B0-48CF-142E1A95555A}"/>
+          <p:cNvPr id="29" name="Content Placeholder 12">
+            <a:extLst>
+              <a:ext uri="{FF2B5EF4-FFF2-40B4-BE49-F238E27FC236}">
+                <a16:creationId xmlns:a16="http://schemas.microsoft.com/office/drawing/2014/main" id="{EBC5FD09-E4E7-64AF-971F-81BA2072350D}"/>
               </a:ext>
             </a:extLst>
           </p:cNvPr>
@@ -18890,8 +18230,8 @@
         </p:nvSpPr>
         <p:spPr>
           <a:xfrm>
-            <a:off x="5049392" y="1519808"/>
-            <a:ext cx="5597272" cy="4515231"/>
+            <a:off x="5049392" y="1611126"/>
+            <a:ext cx="5374768" cy="4515231"/>
           </a:xfrm>
           <a:prstGeom prst="rect">
             <a:avLst/>
@@ -19079,6 +18419,18 @@
             </a:lvl9pPr>
           </a:lstStyle>
           <a:p>
+            <a:r>
+              <a:rPr lang="en-US" sz="2000" dirty="0">
+                <a:effectLst>
+                  <a:outerShdw blurRad="50800" dist="38100" dir="2700000" algn="tl" rotWithShape="0">
+                    <a:prstClr val="black">
+                      <a:alpha val="40000"/>
+                    </a:prstClr>
+                  </a:outerShdw>
+                </a:effectLst>
+              </a:rPr>
+              <a:t>a</a:t>
+            </a:r>
             <a:endParaRPr lang="sr-Latn-RS" sz="2000" dirty="0">
               <a:effectLst>
                 <a:outerShdw blurRad="50800" dist="38100" dir="2700000" algn="tl" rotWithShape="0">
@@ -19089,14 +18441,545 @@
               </a:effectLst>
             </a:endParaRPr>
           </a:p>
-        </p:txBody>
-      </p:sp>
-      <p:sp>
-        <p:nvSpPr>
-          <p:cNvPr id="29" name="Content Placeholder 12">
-            <a:extLst>
-              <a:ext uri="{FF2B5EF4-FFF2-40B4-BE49-F238E27FC236}">
-                <a16:creationId xmlns:a16="http://schemas.microsoft.com/office/drawing/2014/main" id="{EBC5FD09-E4E7-64AF-971F-81BA2072350D}"/>
+          <a:p>
+            <a:endParaRPr lang="sr-Latn-RS" sz="2000" dirty="0">
+              <a:effectLst>
+                <a:outerShdw blurRad="50800" dist="38100" dir="2700000" algn="tl" rotWithShape="0">
+                  <a:prstClr val="black">
+                    <a:alpha val="40000"/>
+                  </a:prstClr>
+                </a:outerShdw>
+              </a:effectLst>
+            </a:endParaRPr>
+          </a:p>
+        </p:txBody>
+      </p:sp>
+    </p:spTree>
+    <p:extLst>
+      <p:ext uri="{BB962C8B-B14F-4D97-AF65-F5344CB8AC3E}">
+        <p14:creationId xmlns:p14="http://schemas.microsoft.com/office/powerpoint/2010/main" val="3089753590"/>
+      </p:ext>
+    </p:extLst>
+  </p:cSld>
+  <p:clrMapOvr>
+    <a:masterClrMapping/>
+  </p:clrMapOvr>
+</p:sld>
+</file>
+
+<file path=ppt/slides/slide12.xml><?xml version="1.0" encoding="utf-8"?>
+<p:sld xmlns:a="http://schemas.openxmlformats.org/drawingml/2006/main" xmlns:r="http://schemas.openxmlformats.org/officeDocument/2006/relationships" xmlns:p="http://schemas.openxmlformats.org/presentationml/2006/main">
+  <p:cSld>
+    <p:spTree>
+      <p:nvGrpSpPr>
+        <p:cNvPr id="1" name=""/>
+        <p:cNvGrpSpPr/>
+        <p:nvPr/>
+      </p:nvGrpSpPr>
+      <p:grpSpPr>
+        <a:xfrm>
+          <a:off x="0" y="0"/>
+          <a:ext cx="0" cy="0"/>
+          <a:chOff x="0" y="0"/>
+          <a:chExt cx="0" cy="0"/>
+        </a:xfrm>
+      </p:grpSpPr>
+      <p:sp>
+        <p:nvSpPr>
+          <p:cNvPr id="2" name="Title 1">
+            <a:extLst>
+              <a:ext uri="{FF2B5EF4-FFF2-40B4-BE49-F238E27FC236}">
+                <a16:creationId xmlns:a16="http://schemas.microsoft.com/office/drawing/2014/main" id="{48C5BC92-868A-26B2-CBC0-C9D94E65F1A4}"/>
+              </a:ext>
+            </a:extLst>
+          </p:cNvPr>
+          <p:cNvSpPr>
+            <a:spLocks noGrp="1"/>
+          </p:cNvSpPr>
+          <p:nvPr>
+            <p:ph type="ctrTitle"/>
+          </p:nvPr>
+        </p:nvSpPr>
+        <p:spPr/>
+        <p:txBody>
+          <a:bodyPr/>
+          <a:lstStyle/>
+          <a:p>
+            <a:r>
+              <a:rPr lang="sr-Latn-RS" sz="4000" b="1" spc="600" dirty="0">
+                <a:ln w="28575">
+                  <a:noFill/>
+                  <a:prstDash val="solid"/>
+                </a:ln>
+                <a:solidFill>
+                  <a:schemeClr val="bg1"/>
+                </a:solidFill>
+                <a:latin typeface="Tw Cen MT" panose="020B0602020104020603" pitchFamily="34" charset="77"/>
+                <a:ea typeface="Verdana" panose="020B0604030504040204" pitchFamily="34" charset="0"/>
+                <a:cs typeface="Verdana" panose="020B0604030504040204" pitchFamily="34" charset="0"/>
+              </a:rPr>
+              <a:t>Zaključak</a:t>
+            </a:r>
+            <a:endParaRPr lang="en-US" dirty="0"/>
+          </a:p>
+        </p:txBody>
+      </p:sp>
+      <p:sp>
+        <p:nvSpPr>
+          <p:cNvPr id="3" name="Subtitle 2">
+            <a:extLst>
+              <a:ext uri="{FF2B5EF4-FFF2-40B4-BE49-F238E27FC236}">
+                <a16:creationId xmlns:a16="http://schemas.microsoft.com/office/drawing/2014/main" id="{6F9C1627-7A56-025E-482D-E2AB014EDF92}"/>
+              </a:ext>
+            </a:extLst>
+          </p:cNvPr>
+          <p:cNvSpPr>
+            <a:spLocks noGrp="1"/>
+          </p:cNvSpPr>
+          <p:nvPr>
+            <p:ph type="subTitle" idx="1"/>
+          </p:nvPr>
+        </p:nvSpPr>
+        <p:spPr/>
+        <p:txBody>
+          <a:bodyPr/>
+          <a:lstStyle/>
+          <a:p>
+            <a:r>
+              <a:rPr lang="en-US" sz="1800" dirty="0" err="1">
+                <a:solidFill>
+                  <a:schemeClr val="bg1"/>
+                </a:solidFill>
+                <a:latin typeface="Segoe UI Light" panose="020B0502040204020203" pitchFamily="34" charset="0"/>
+                <a:ea typeface="+mn-lt"/>
+                <a:cs typeface="Segoe UI Light" panose="020B0502040204020203" pitchFamily="34" charset="0"/>
+              </a:rPr>
+              <a:t>Zaklju</a:t>
+            </a:r>
+            <a:r>
+              <a:rPr lang="en-US" dirty="0" err="1">
+                <a:latin typeface="Segoe UI Light" panose="020B0502040204020203" pitchFamily="34" charset="0"/>
+                <a:ea typeface="+mn-lt"/>
+                <a:cs typeface="Segoe UI Light" panose="020B0502040204020203" pitchFamily="34" charset="0"/>
+              </a:rPr>
+              <a:t>cak</a:t>
+            </a:r>
+            <a:endParaRPr lang="en-US" sz="1800" dirty="0">
+              <a:solidFill>
+                <a:schemeClr val="bg1"/>
+              </a:solidFill>
+              <a:latin typeface="Segoe UI Light" panose="020B0502040204020203" pitchFamily="34" charset="0"/>
+              <a:ea typeface="+mn-lt"/>
+              <a:cs typeface="Segoe UI Light" panose="020B0502040204020203" pitchFamily="34" charset="0"/>
+            </a:endParaRPr>
+          </a:p>
+          <a:p>
+            <a:endParaRPr lang="en-US" dirty="0"/>
+          </a:p>
+        </p:txBody>
+      </p:sp>
+    </p:spTree>
+    <p:extLst>
+      <p:ext uri="{BB962C8B-B14F-4D97-AF65-F5344CB8AC3E}">
+        <p14:creationId xmlns:p14="http://schemas.microsoft.com/office/powerpoint/2010/main" val="1958759625"/>
+      </p:ext>
+    </p:extLst>
+  </p:cSld>
+  <p:clrMapOvr>
+    <a:masterClrMapping/>
+  </p:clrMapOvr>
+</p:sld>
+</file>
+
+<file path=ppt/slides/slide13.xml><?xml version="1.0" encoding="utf-8"?>
+<p:sld xmlns:a="http://schemas.openxmlformats.org/drawingml/2006/main" xmlns:r="http://schemas.openxmlformats.org/officeDocument/2006/relationships" xmlns:p="http://schemas.openxmlformats.org/presentationml/2006/main">
+  <p:cSld>
+    <p:spTree>
+      <p:nvGrpSpPr>
+        <p:cNvPr id="1" name=""/>
+        <p:cNvGrpSpPr/>
+        <p:nvPr/>
+      </p:nvGrpSpPr>
+      <p:grpSpPr>
+        <a:xfrm>
+          <a:off x="0" y="0"/>
+          <a:ext cx="0" cy="0"/>
+          <a:chOff x="0" y="0"/>
+          <a:chExt cx="0" cy="0"/>
+        </a:xfrm>
+      </p:grpSpPr>
+      <p:sp>
+        <p:nvSpPr>
+          <p:cNvPr id="2" name="Title 1">
+            <a:extLst>
+              <a:ext uri="{FF2B5EF4-FFF2-40B4-BE49-F238E27FC236}">
+                <a16:creationId xmlns:a16="http://schemas.microsoft.com/office/drawing/2014/main" id="{2C9E1892-81E6-551C-7B5A-DEA68224520B}"/>
+              </a:ext>
+            </a:extLst>
+          </p:cNvPr>
+          <p:cNvSpPr>
+            <a:spLocks noGrp="1"/>
+          </p:cNvSpPr>
+          <p:nvPr>
+            <p:ph type="title"/>
+          </p:nvPr>
+        </p:nvSpPr>
+        <p:spPr/>
+        <p:txBody>
+          <a:bodyPr/>
+          <a:lstStyle/>
+          <a:p>
+            <a:r>
+              <a:rPr lang="sr-Latn-RS" sz="4800" b="1" spc="600" dirty="0">
+                <a:ln w="28575">
+                  <a:noFill/>
+                  <a:prstDash val="solid"/>
+                </a:ln>
+                <a:solidFill>
+                  <a:schemeClr val="bg1"/>
+                </a:solidFill>
+                <a:latin typeface="Tw Cen MT" panose="020B0602020104020603" pitchFamily="34" charset="77"/>
+              </a:rPr>
+              <a:t>Hvala na pažnji</a:t>
+            </a:r>
+            <a:endParaRPr lang="en-US" dirty="0"/>
+          </a:p>
+        </p:txBody>
+      </p:sp>
+      <p:sp>
+        <p:nvSpPr>
+          <p:cNvPr id="3" name="Text Placeholder 2">
+            <a:extLst>
+              <a:ext uri="{FF2B5EF4-FFF2-40B4-BE49-F238E27FC236}">
+                <a16:creationId xmlns:a16="http://schemas.microsoft.com/office/drawing/2014/main" id="{55519D01-29BE-BE76-41C5-9D58AD8119DC}"/>
+              </a:ext>
+            </a:extLst>
+          </p:cNvPr>
+          <p:cNvSpPr>
+            <a:spLocks noGrp="1"/>
+          </p:cNvSpPr>
+          <p:nvPr>
+            <p:ph type="body" idx="1"/>
+          </p:nvPr>
+        </p:nvSpPr>
+        <p:spPr/>
+        <p:txBody>
+          <a:bodyPr/>
+          <a:lstStyle/>
+          <a:p>
+            <a:pPr algn="l"/>
+            <a:r>
+              <a:rPr lang="en-US" dirty="0">
+                <a:latin typeface="Segoe UI Light" panose="020B0502040204020203" pitchFamily="34" charset="0"/>
+                <a:cs typeface="Segoe UI Light" panose="020B0502040204020203" pitchFamily="34" charset="0"/>
+              </a:rPr>
+              <a:t>Nikola </a:t>
+            </a:r>
+            <a:r>
+              <a:rPr lang="en-US" dirty="0" err="1">
+                <a:latin typeface="Segoe UI Light" panose="020B0502040204020203" pitchFamily="34" charset="0"/>
+                <a:cs typeface="Segoe UI Light" panose="020B0502040204020203" pitchFamily="34" charset="0"/>
+              </a:rPr>
+              <a:t>Veselinovi</a:t>
+            </a:r>
+            <a:r>
+              <a:rPr lang="sr-Latn-RS" dirty="0">
+                <a:latin typeface="Segoe UI Light" panose="020B0502040204020203" pitchFamily="34" charset="0"/>
+                <a:cs typeface="Segoe UI Light" panose="020B0502040204020203" pitchFamily="34" charset="0"/>
+              </a:rPr>
+              <a:t>ć</a:t>
+            </a:r>
+            <a:endParaRPr lang="en-US" dirty="0">
+              <a:latin typeface="Segoe UI Light" panose="020B0502040204020203" pitchFamily="34" charset="0"/>
+              <a:cs typeface="Segoe UI Light" panose="020B0502040204020203" pitchFamily="34" charset="0"/>
+            </a:endParaRPr>
+          </a:p>
+          <a:p>
+            <a:pPr algn="l"/>
+            <a:r>
+              <a:rPr lang="sr-Latn-RS" dirty="0">
+                <a:solidFill>
+                  <a:srgbClr val="C5D1D3"/>
+                </a:solidFill>
+                <a:latin typeface="Roboto" panose="020F0502020204030204" pitchFamily="2" charset="0"/>
+                <a:hlinkClick r:id="rId2"/>
+              </a:rPr>
+              <a:t>m</a:t>
+            </a:r>
+            <a:r>
+              <a:rPr lang="en-US" i="0" dirty="0">
+                <a:solidFill>
+                  <a:srgbClr val="C5D1D3"/>
+                </a:solidFill>
+                <a:effectLst/>
+                <a:latin typeface="Roboto" panose="020F0502020204030204" pitchFamily="2" charset="0"/>
+                <a:hlinkClick r:id="rId2"/>
+              </a:rPr>
+              <a:t>i15200@alas.matf.bg.ac.rs</a:t>
+            </a:r>
+            <a:endParaRPr lang="sr-Latn-RS" i="0" dirty="0">
+              <a:solidFill>
+                <a:srgbClr val="C5D1D3"/>
+              </a:solidFill>
+              <a:effectLst/>
+              <a:latin typeface="Roboto" panose="020F0502020204030204" pitchFamily="2" charset="0"/>
+            </a:endParaRPr>
+          </a:p>
+          <a:p>
+            <a:pPr algn="l"/>
+            <a:r>
+              <a:rPr lang="en-US" dirty="0">
+                <a:hlinkClick r:id="rId3"/>
+              </a:rPr>
+              <a:t>https://github.com/MATF-istrazivanje-podataka-1/2023_Data_Mining_Amazon_reviews_Dataset</a:t>
+            </a:r>
+            <a:endParaRPr lang="sr-Latn-RS" dirty="0">
+              <a:solidFill>
+                <a:srgbClr val="C5D1D3"/>
+              </a:solidFill>
+              <a:latin typeface="Roboto" panose="020F0502020204030204" pitchFamily="2" charset="0"/>
+            </a:endParaRPr>
+          </a:p>
+          <a:p>
+            <a:pPr algn="l"/>
+            <a:endParaRPr lang="en-US" dirty="0"/>
+          </a:p>
+        </p:txBody>
+      </p:sp>
+    </p:spTree>
+    <p:extLst>
+      <p:ext uri="{BB962C8B-B14F-4D97-AF65-F5344CB8AC3E}">
+        <p14:creationId xmlns:p14="http://schemas.microsoft.com/office/powerpoint/2010/main" val="1877701230"/>
+      </p:ext>
+    </p:extLst>
+  </p:cSld>
+  <p:clrMapOvr>
+    <a:masterClrMapping/>
+  </p:clrMapOvr>
+</p:sld>
+</file>
+
+<file path=ppt/slides/slide2.xml><?xml version="1.0" encoding="utf-8"?>
+<p:sld xmlns:a="http://schemas.openxmlformats.org/drawingml/2006/main" xmlns:r="http://schemas.openxmlformats.org/officeDocument/2006/relationships" xmlns:p="http://schemas.openxmlformats.org/presentationml/2006/main">
+  <p:cSld>
+    <p:spTree>
+      <p:nvGrpSpPr>
+        <p:cNvPr id="1" name=""/>
+        <p:cNvGrpSpPr/>
+        <p:nvPr/>
+      </p:nvGrpSpPr>
+      <p:grpSpPr>
+        <a:xfrm>
+          <a:off x="0" y="0"/>
+          <a:ext cx="0" cy="0"/>
+          <a:chOff x="0" y="0"/>
+          <a:chExt cx="0" cy="0"/>
+        </a:xfrm>
+      </p:grpSpPr>
+      <p:sp>
+        <p:nvSpPr>
+          <p:cNvPr id="2" name="Title 1">
+            <a:extLst>
+              <a:ext uri="{FF2B5EF4-FFF2-40B4-BE49-F238E27FC236}">
+                <a16:creationId xmlns:a16="http://schemas.microsoft.com/office/drawing/2014/main" id="{D249E45E-D6A7-9780-F652-BAF86DFBCC00}"/>
+              </a:ext>
+            </a:extLst>
+          </p:cNvPr>
+          <p:cNvSpPr>
+            <a:spLocks noGrp="1"/>
+          </p:cNvSpPr>
+          <p:nvPr>
+            <p:ph type="title"/>
+          </p:nvPr>
+        </p:nvSpPr>
+        <p:spPr>
+          <a:xfrm>
+            <a:off x="1545336" y="822960"/>
+            <a:ext cx="8878824" cy="596265"/>
+          </a:xfrm>
+        </p:spPr>
+        <p:txBody>
+          <a:bodyPr/>
+          <a:lstStyle/>
+          <a:p>
+            <a:r>
+              <a:rPr lang="sr-Latn-RS" dirty="0">
+                <a:effectLst>
+                  <a:outerShdw blurRad="50800" dist="38100" dir="2700000" algn="tl" rotWithShape="0">
+                    <a:prstClr val="black">
+                      <a:alpha val="40000"/>
+                    </a:prstClr>
+                  </a:outerShdw>
+                </a:effectLst>
+              </a:rPr>
+              <a:t>Analiza skupa podataka</a:t>
+            </a:r>
+            <a:endParaRPr lang="en-US" dirty="0">
+              <a:effectLst>
+                <a:outerShdw blurRad="50800" dist="38100" dir="2700000" algn="tl" rotWithShape="0">
+                  <a:prstClr val="black">
+                    <a:alpha val="40000"/>
+                  </a:prstClr>
+                </a:outerShdw>
+              </a:effectLst>
+            </a:endParaRPr>
+          </a:p>
+        </p:txBody>
+      </p:sp>
+      <p:sp>
+        <p:nvSpPr>
+          <p:cNvPr id="8" name="Slide Number Placeholder 7">
+            <a:extLst>
+              <a:ext uri="{FF2B5EF4-FFF2-40B4-BE49-F238E27FC236}">
+                <a16:creationId xmlns:a16="http://schemas.microsoft.com/office/drawing/2014/main" id="{85577A64-4E94-69E1-3180-1E014BD06B3C}"/>
+              </a:ext>
+            </a:extLst>
+          </p:cNvPr>
+          <p:cNvSpPr>
+            <a:spLocks noGrp="1"/>
+          </p:cNvSpPr>
+          <p:nvPr>
+            <p:ph type="sldNum" sz="quarter" idx="12"/>
+          </p:nvPr>
+        </p:nvSpPr>
+        <p:spPr/>
+        <p:txBody>
+          <a:bodyPr/>
+          <a:lstStyle/>
+          <a:p>
+            <a:fld id="{294A09A9-5501-47C1-A89A-A340965A2BE2}" type="slidenum">
+              <a:rPr lang="en-US" smtClean="0"/>
+              <a:t>2</a:t>
+            </a:fld>
+            <a:endParaRPr lang="en-US" dirty="0"/>
+          </a:p>
+        </p:txBody>
+      </p:sp>
+      <p:sp>
+        <p:nvSpPr>
+          <p:cNvPr id="7" name="Footer Placeholder 6">
+            <a:extLst>
+              <a:ext uri="{FF2B5EF4-FFF2-40B4-BE49-F238E27FC236}">
+                <a16:creationId xmlns:a16="http://schemas.microsoft.com/office/drawing/2014/main" id="{A9F57080-19CA-8BBA-6050-8494551D4615}"/>
+              </a:ext>
+            </a:extLst>
+          </p:cNvPr>
+          <p:cNvSpPr>
+            <a:spLocks noGrp="1"/>
+          </p:cNvSpPr>
+          <p:nvPr>
+            <p:ph type="ftr" sz="quarter" idx="11"/>
+          </p:nvPr>
+        </p:nvSpPr>
+        <p:spPr>
+          <a:xfrm>
+            <a:off x="466344" y="6153912"/>
+            <a:ext cx="3838956" cy="310896"/>
+          </a:xfrm>
+        </p:spPr>
+        <p:txBody>
+          <a:bodyPr/>
+          <a:lstStyle/>
+          <a:p>
+            <a:r>
+              <a:rPr lang="sr-Latn-RS" sz="1200" kern="1400" spc="-50" dirty="0">
+                <a:effectLst>
+                  <a:outerShdw blurRad="50800" dist="38100" dir="2700000" algn="tl" rotWithShape="0">
+                    <a:prstClr val="black">
+                      <a:alpha val="40000"/>
+                    </a:prstClr>
+                  </a:outerShdw>
+                </a:effectLst>
+                <a:latin typeface="Calibri Light" panose="020F0302020204030204" pitchFamily="34" charset="0"/>
+                <a:ea typeface="Times New Roman" panose="02020603050405020304" pitchFamily="18" charset="0"/>
+                <a:cs typeface="Times New Roman" panose="02020603050405020304" pitchFamily="18" charset="0"/>
+              </a:rPr>
+              <a:t>Analiza skupa podataka  „</a:t>
+            </a:r>
+            <a:r>
+              <a:rPr lang="en-US" sz="1200" kern="1400" spc="-50" dirty="0">
+                <a:effectLst>
+                  <a:outerShdw blurRad="50800" dist="38100" dir="2700000" algn="tl" rotWithShape="0">
+                    <a:prstClr val="black">
+                      <a:alpha val="40000"/>
+                    </a:prstClr>
+                  </a:outerShdw>
+                </a:effectLst>
+                <a:latin typeface="Calibri Light" panose="020F0302020204030204" pitchFamily="34" charset="0"/>
+                <a:ea typeface="Times New Roman" panose="02020603050405020304" pitchFamily="18" charset="0"/>
+                <a:cs typeface="Times New Roman" panose="02020603050405020304" pitchFamily="18" charset="0"/>
+              </a:rPr>
+              <a:t>Data Mining Amazon reviews Dataset”</a:t>
+            </a:r>
+            <a:endParaRPr lang="en-US" dirty="0"/>
+          </a:p>
+        </p:txBody>
+      </p:sp>
+      <p:pic>
+        <p:nvPicPr>
+          <p:cNvPr id="18" name="Content Placeholder 17">
+            <a:extLst>
+              <a:ext uri="{FF2B5EF4-FFF2-40B4-BE49-F238E27FC236}">
+                <a16:creationId xmlns:a16="http://schemas.microsoft.com/office/drawing/2014/main" id="{631FCCF2-A95D-546D-2D9C-4F1B5E1E6494}"/>
+              </a:ext>
+            </a:extLst>
+          </p:cNvPr>
+          <p:cNvPicPr>
+            <a:picLocks noGrp="1" noChangeAspect="1"/>
+          </p:cNvPicPr>
+          <p:nvPr>
+            <p:ph sz="half" idx="2"/>
+          </p:nvPr>
+        </p:nvPicPr>
+        <p:blipFill>
+          <a:blip r:embed="rId2"/>
+          <a:stretch>
+            <a:fillRect/>
+          </a:stretch>
+        </p:blipFill>
+        <p:spPr>
+          <a:xfrm>
+            <a:off x="850392" y="1866409"/>
+            <a:ext cx="5663328" cy="1085622"/>
+          </a:xfrm>
+        </p:spPr>
+      </p:pic>
+      <p:pic>
+        <p:nvPicPr>
+          <p:cNvPr id="19" name="Picture 18">
+            <a:extLst>
+              <a:ext uri="{FF2B5EF4-FFF2-40B4-BE49-F238E27FC236}">
+                <a16:creationId xmlns:a16="http://schemas.microsoft.com/office/drawing/2014/main" id="{E0CD1F1D-6959-3AFA-4B84-8F1B5B2B33D7}"/>
+              </a:ext>
+            </a:extLst>
+          </p:cNvPr>
+          <p:cNvPicPr>
+            <a:picLocks noChangeAspect="1"/>
+          </p:cNvPicPr>
+          <p:nvPr/>
+        </p:nvPicPr>
+        <p:blipFill>
+          <a:blip r:embed="rId3"/>
+          <a:stretch>
+            <a:fillRect/>
+          </a:stretch>
+        </p:blipFill>
+        <p:spPr>
+          <a:xfrm>
+            <a:off x="850392" y="3193944"/>
+            <a:ext cx="5663328" cy="2124353"/>
+          </a:xfrm>
+          <a:prstGeom prst="rect">
+            <a:avLst/>
+          </a:prstGeom>
+        </p:spPr>
+      </p:pic>
+      <p:sp>
+        <p:nvSpPr>
+          <p:cNvPr id="21" name="Content Placeholder 12">
+            <a:extLst>
+              <a:ext uri="{FF2B5EF4-FFF2-40B4-BE49-F238E27FC236}">
+                <a16:creationId xmlns:a16="http://schemas.microsoft.com/office/drawing/2014/main" id="{45DED5F7-368E-0774-7EE8-2201D1873398}"/>
               </a:ext>
             </a:extLst>
           </p:cNvPr>
@@ -19107,8 +18990,8 @@
         </p:nvSpPr>
         <p:spPr>
           <a:xfrm>
-            <a:off x="5049392" y="1611126"/>
-            <a:ext cx="5374768" cy="4515231"/>
+            <a:off x="6649592" y="1866409"/>
+            <a:ext cx="4208908" cy="3451888"/>
           </a:xfrm>
           <a:prstGeom prst="rect">
             <a:avLst/>
@@ -19306,6 +19189,774 @@
                   </a:outerShdw>
                 </a:effectLst>
               </a:rPr>
+              <a:t>Skup se sastoji od 1001 atributa koji su podeljeni u 2 vrste (numeričke i tekstualne)</a:t>
+            </a:r>
+          </a:p>
+          <a:p>
+            <a:r>
+              <a:rPr lang="sr-Latn-RS" sz="2000" dirty="0">
+                <a:effectLst>
+                  <a:outerShdw blurRad="50800" dist="38100" dir="2700000" algn="tl" rotWithShape="0">
+                    <a:prstClr val="black">
+                      <a:alpha val="40000"/>
+                    </a:prstClr>
+                  </a:outerShdw>
+                </a:effectLst>
+              </a:rPr>
+              <a:t>Atribut „</a:t>
+            </a:r>
+            <a:r>
+              <a:rPr lang="sr-Latn-RS" sz="2000" dirty="0" err="1">
+                <a:effectLst>
+                  <a:outerShdw blurRad="50800" dist="38100" dir="2700000" algn="tl" rotWithShape="0">
+                    <a:prstClr val="black">
+                      <a:alpha val="40000"/>
+                    </a:prstClr>
+                  </a:outerShdw>
+                </a:effectLst>
+              </a:rPr>
+              <a:t>class</a:t>
+            </a:r>
+            <a:r>
+              <a:rPr lang="sr-Latn-RS" sz="2000" dirty="0">
+                <a:effectLst>
+                  <a:outerShdw blurRad="50800" dist="38100" dir="2700000" algn="tl" rotWithShape="0">
+                    <a:prstClr val="black">
+                      <a:alpha val="40000"/>
+                    </a:prstClr>
+                  </a:outerShdw>
+                </a:effectLst>
+              </a:rPr>
+              <a:t>“ je jedini tekstualni i predstavlja ima Autora komentara</a:t>
+            </a:r>
+          </a:p>
+          <a:p>
+            <a:r>
+              <a:rPr lang="sr-Latn-RS" sz="2000" dirty="0">
+                <a:effectLst>
+                  <a:outerShdw blurRad="50800" dist="38100" dir="2700000" algn="tl" rotWithShape="0">
+                    <a:prstClr val="black">
+                      <a:alpha val="40000"/>
+                    </a:prstClr>
+                  </a:outerShdw>
+                </a:effectLst>
+              </a:rPr>
+              <a:t>Ostali atributi zajedno sa svojim vrednostima predstavljaju sadržaj komentara</a:t>
+            </a:r>
+          </a:p>
+          <a:p>
+            <a:r>
+              <a:rPr lang="sr-Latn-RS" sz="2000" dirty="0">
+                <a:effectLst>
+                  <a:outerShdw blurRad="50800" dist="38100" dir="2700000" algn="tl" rotWithShape="0">
+                    <a:prstClr val="black">
+                      <a:alpha val="40000"/>
+                    </a:prstClr>
+                  </a:outerShdw>
+                </a:effectLst>
+              </a:rPr>
+              <a:t>Ne postoje nedostajuće vrednosti</a:t>
+            </a:r>
+          </a:p>
+          <a:p>
+            <a:r>
+              <a:rPr lang="sr-Latn-RS" sz="2000" dirty="0">
+                <a:effectLst>
+                  <a:outerShdw blurRad="50800" dist="38100" dir="2700000" algn="tl" rotWithShape="0">
+                    <a:prstClr val="black">
+                      <a:alpha val="40000"/>
+                    </a:prstClr>
+                  </a:outerShdw>
+                </a:effectLst>
+              </a:rPr>
+              <a:t>Jednak broj komentara po autoru</a:t>
+            </a:r>
+          </a:p>
+        </p:txBody>
+      </p:sp>
+    </p:spTree>
+    <p:extLst>
+      <p:ext uri="{BB962C8B-B14F-4D97-AF65-F5344CB8AC3E}">
+        <p14:creationId xmlns:p14="http://schemas.microsoft.com/office/powerpoint/2010/main" val="765210901"/>
+      </p:ext>
+    </p:extLst>
+  </p:cSld>
+  <p:clrMapOvr>
+    <a:masterClrMapping/>
+  </p:clrMapOvr>
+</p:sld>
+</file>
+
+<file path=ppt/slides/slide3.xml><?xml version="1.0" encoding="utf-8"?>
+<p:sld xmlns:a="http://schemas.openxmlformats.org/drawingml/2006/main" xmlns:r="http://schemas.openxmlformats.org/officeDocument/2006/relationships" xmlns:p="http://schemas.openxmlformats.org/presentationml/2006/main">
+  <p:cSld>
+    <p:spTree>
+      <p:nvGrpSpPr>
+        <p:cNvPr id="1" name=""/>
+        <p:cNvGrpSpPr/>
+        <p:nvPr/>
+      </p:nvGrpSpPr>
+      <p:grpSpPr>
+        <a:xfrm>
+          <a:off x="0" y="0"/>
+          <a:ext cx="0" cy="0"/>
+          <a:chOff x="0" y="0"/>
+          <a:chExt cx="0" cy="0"/>
+        </a:xfrm>
+      </p:grpSpPr>
+      <p:sp>
+        <p:nvSpPr>
+          <p:cNvPr id="2" name="Title 1">
+            <a:extLst>
+              <a:ext uri="{FF2B5EF4-FFF2-40B4-BE49-F238E27FC236}">
+                <a16:creationId xmlns:a16="http://schemas.microsoft.com/office/drawing/2014/main" id="{189E73D4-535B-6DCC-2268-43A5E9E12C45}"/>
+              </a:ext>
+            </a:extLst>
+          </p:cNvPr>
+          <p:cNvSpPr>
+            <a:spLocks noGrp="1"/>
+          </p:cNvSpPr>
+          <p:nvPr>
+            <p:ph type="title"/>
+          </p:nvPr>
+        </p:nvSpPr>
+        <p:spPr>
+          <a:xfrm>
+            <a:off x="1545336" y="822960"/>
+            <a:ext cx="8878824" cy="713232"/>
+          </a:xfrm>
+        </p:spPr>
+        <p:txBody>
+          <a:bodyPr/>
+          <a:lstStyle/>
+          <a:p>
+            <a:r>
+              <a:rPr lang="sr-Latn-RS" dirty="0" err="1">
+                <a:effectLst>
+                  <a:outerShdw blurRad="38100" dist="38100" dir="2700000" algn="tl">
+                    <a:srgbClr val="000000">
+                      <a:alpha val="43137"/>
+                    </a:srgbClr>
+                  </a:outerShdw>
+                </a:effectLst>
+              </a:rPr>
+              <a:t>Pretprocesiranje</a:t>
+            </a:r>
+            <a:endParaRPr lang="en-US" dirty="0">
+              <a:effectLst>
+                <a:outerShdw blurRad="38100" dist="38100" dir="2700000" algn="tl">
+                  <a:srgbClr val="000000">
+                    <a:alpha val="43137"/>
+                  </a:srgbClr>
+                </a:outerShdw>
+              </a:effectLst>
+            </a:endParaRPr>
+          </a:p>
+        </p:txBody>
+      </p:sp>
+      <p:sp>
+        <p:nvSpPr>
+          <p:cNvPr id="6" name="Slide Number Placeholder 5">
+            <a:extLst>
+              <a:ext uri="{FF2B5EF4-FFF2-40B4-BE49-F238E27FC236}">
+                <a16:creationId xmlns:a16="http://schemas.microsoft.com/office/drawing/2014/main" id="{6459FCA3-0124-0FA6-220B-D72E8F8034C8}"/>
+              </a:ext>
+            </a:extLst>
+          </p:cNvPr>
+          <p:cNvSpPr>
+            <a:spLocks noGrp="1"/>
+          </p:cNvSpPr>
+          <p:nvPr>
+            <p:ph type="sldNum" sz="quarter" idx="12"/>
+          </p:nvPr>
+        </p:nvSpPr>
+        <p:spPr/>
+        <p:txBody>
+          <a:bodyPr/>
+          <a:lstStyle/>
+          <a:p>
+            <a:fld id="{294A09A9-5501-47C1-A89A-A340965A2BE2}" type="slidenum">
+              <a:rPr lang="en-US" smtClean="0"/>
+              <a:t>3</a:t>
+            </a:fld>
+            <a:endParaRPr lang="en-US" dirty="0"/>
+          </a:p>
+        </p:txBody>
+      </p:sp>
+      <p:pic>
+        <p:nvPicPr>
+          <p:cNvPr id="23" name="Picture 22">
+            <a:extLst>
+              <a:ext uri="{FF2B5EF4-FFF2-40B4-BE49-F238E27FC236}">
+                <a16:creationId xmlns:a16="http://schemas.microsoft.com/office/drawing/2014/main" id="{3BEC46A9-EFA2-59E5-0D38-5DD6085E20CD}"/>
+              </a:ext>
+            </a:extLst>
+          </p:cNvPr>
+          <p:cNvPicPr>
+            <a:picLocks noChangeAspect="1"/>
+          </p:cNvPicPr>
+          <p:nvPr/>
+        </p:nvPicPr>
+        <p:blipFill>
+          <a:blip r:embed="rId2">
+            <a:extLst>
+              <a:ext uri="{28A0092B-C50C-407E-A947-70E740481C1C}">
+                <a14:useLocalDpi xmlns:a14="http://schemas.microsoft.com/office/drawing/2010/main" val="0"/>
+              </a:ext>
+            </a:extLst>
+          </a:blip>
+          <a:srcRect/>
+          <a:stretch>
+            <a:fillRect/>
+          </a:stretch>
+        </p:blipFill>
+        <p:spPr bwMode="auto">
+          <a:xfrm>
+            <a:off x="1545336" y="1536192"/>
+            <a:ext cx="3064764" cy="2239966"/>
+          </a:xfrm>
+          <a:prstGeom prst="rect">
+            <a:avLst/>
+          </a:prstGeom>
+          <a:noFill/>
+          <a:ln>
+            <a:noFill/>
+          </a:ln>
+        </p:spPr>
+      </p:pic>
+      <p:pic>
+        <p:nvPicPr>
+          <p:cNvPr id="24" name="Picture 23">
+            <a:extLst>
+              <a:ext uri="{FF2B5EF4-FFF2-40B4-BE49-F238E27FC236}">
+                <a16:creationId xmlns:a16="http://schemas.microsoft.com/office/drawing/2014/main" id="{93CFBC1D-6C3D-1A42-8113-425C7A644020}"/>
+              </a:ext>
+            </a:extLst>
+          </p:cNvPr>
+          <p:cNvPicPr>
+            <a:picLocks noChangeAspect="1"/>
+          </p:cNvPicPr>
+          <p:nvPr/>
+        </p:nvPicPr>
+        <p:blipFill>
+          <a:blip r:embed="rId3">
+            <a:extLst>
+              <a:ext uri="{28A0092B-C50C-407E-A947-70E740481C1C}">
+                <a14:useLocalDpi xmlns:a14="http://schemas.microsoft.com/office/drawing/2010/main" val="0"/>
+              </a:ext>
+            </a:extLst>
+          </a:blip>
+          <a:srcRect/>
+          <a:stretch>
+            <a:fillRect/>
+          </a:stretch>
+        </p:blipFill>
+        <p:spPr bwMode="auto">
+          <a:xfrm>
+            <a:off x="1545336" y="3950523"/>
+            <a:ext cx="3064764" cy="2224984"/>
+          </a:xfrm>
+          <a:prstGeom prst="rect">
+            <a:avLst/>
+          </a:prstGeom>
+          <a:noFill/>
+          <a:ln>
+            <a:noFill/>
+          </a:ln>
+        </p:spPr>
+      </p:pic>
+      <p:sp>
+        <p:nvSpPr>
+          <p:cNvPr id="27" name="Footer Placeholder 6">
+            <a:extLst>
+              <a:ext uri="{FF2B5EF4-FFF2-40B4-BE49-F238E27FC236}">
+                <a16:creationId xmlns:a16="http://schemas.microsoft.com/office/drawing/2014/main" id="{B4E4BCA2-4314-584D-1B7A-9B159BF3C14B}"/>
+              </a:ext>
+            </a:extLst>
+          </p:cNvPr>
+          <p:cNvSpPr>
+            <a:spLocks noGrp="1"/>
+          </p:cNvSpPr>
+          <p:nvPr>
+            <p:ph type="ftr" sz="quarter" idx="11"/>
+          </p:nvPr>
+        </p:nvSpPr>
+        <p:spPr>
+          <a:xfrm>
+            <a:off x="466344" y="6153912"/>
+            <a:ext cx="3838956" cy="310896"/>
+          </a:xfrm>
+        </p:spPr>
+        <p:txBody>
+          <a:bodyPr/>
+          <a:lstStyle/>
+          <a:p>
+            <a:r>
+              <a:rPr lang="sr-Latn-RS" sz="1200" kern="1400" spc="-50" dirty="0">
+                <a:effectLst>
+                  <a:outerShdw blurRad="50800" dist="38100" dir="2700000" algn="tl" rotWithShape="0">
+                    <a:prstClr val="black">
+                      <a:alpha val="40000"/>
+                    </a:prstClr>
+                  </a:outerShdw>
+                </a:effectLst>
+                <a:latin typeface="Calibri Light" panose="020F0302020204030204" pitchFamily="34" charset="0"/>
+                <a:ea typeface="Times New Roman" panose="02020603050405020304" pitchFamily="18" charset="0"/>
+                <a:cs typeface="Times New Roman" panose="02020603050405020304" pitchFamily="18" charset="0"/>
+              </a:rPr>
+              <a:t>Analiza skupa podataka  „</a:t>
+            </a:r>
+            <a:r>
+              <a:rPr lang="en-US" sz="1200" kern="1400" spc="-50" dirty="0">
+                <a:effectLst>
+                  <a:outerShdw blurRad="50800" dist="38100" dir="2700000" algn="tl" rotWithShape="0">
+                    <a:prstClr val="black">
+                      <a:alpha val="40000"/>
+                    </a:prstClr>
+                  </a:outerShdw>
+                </a:effectLst>
+                <a:latin typeface="Calibri Light" panose="020F0302020204030204" pitchFamily="34" charset="0"/>
+                <a:ea typeface="Times New Roman" panose="02020603050405020304" pitchFamily="18" charset="0"/>
+                <a:cs typeface="Times New Roman" panose="02020603050405020304" pitchFamily="18" charset="0"/>
+              </a:rPr>
+              <a:t>Data Mining Amazon reviews Dataset”</a:t>
+            </a:r>
+            <a:endParaRPr lang="en-US" dirty="0"/>
+          </a:p>
+        </p:txBody>
+      </p:sp>
+      <p:sp>
+        <p:nvSpPr>
+          <p:cNvPr id="28" name="Content Placeholder 12">
+            <a:extLst>
+              <a:ext uri="{FF2B5EF4-FFF2-40B4-BE49-F238E27FC236}">
+                <a16:creationId xmlns:a16="http://schemas.microsoft.com/office/drawing/2014/main" id="{E12041F6-1626-48B0-48CF-142E1A95555A}"/>
+              </a:ext>
+            </a:extLst>
+          </p:cNvPr>
+          <p:cNvSpPr txBox="1">
+            <a:spLocks/>
+          </p:cNvSpPr>
+          <p:nvPr/>
+        </p:nvSpPr>
+        <p:spPr>
+          <a:xfrm>
+            <a:off x="5049392" y="1519808"/>
+            <a:ext cx="5597272" cy="4515231"/>
+          </a:xfrm>
+          <a:prstGeom prst="rect">
+            <a:avLst/>
+          </a:prstGeom>
+        </p:spPr>
+        <p:txBody>
+          <a:bodyPr/>
+          <a:lstStyle>
+            <a:lvl1pPr marL="228600" indent="-347472" algn="l" defTabSz="914400" rtl="0" eaLnBrk="1" latinLnBrk="0" hangingPunct="1">
+              <a:lnSpc>
+                <a:spcPct val="90000"/>
+              </a:lnSpc>
+              <a:spcBef>
+                <a:spcPts val="1000"/>
+              </a:spcBef>
+              <a:buClr>
+                <a:schemeClr val="accent6"/>
+              </a:buClr>
+              <a:buFont typeface="Courier New" panose="02070309020205020404" pitchFamily="49" charset="0"/>
+              <a:buChar char="o"/>
+              <a:defRPr sz="2800" kern="1200">
+                <a:solidFill>
+                  <a:schemeClr val="bg1"/>
+                </a:solidFill>
+                <a:latin typeface="+mn-lt"/>
+                <a:ea typeface="+mn-ea"/>
+                <a:cs typeface="Segoe UI" panose="020B0502040204020203" pitchFamily="34" charset="0"/>
+              </a:defRPr>
+            </a:lvl1pPr>
+            <a:lvl2pPr marL="685800" indent="-347472" algn="l" defTabSz="914400" rtl="0" eaLnBrk="1" latinLnBrk="0" hangingPunct="1">
+              <a:lnSpc>
+                <a:spcPct val="90000"/>
+              </a:lnSpc>
+              <a:spcBef>
+                <a:spcPts val="500"/>
+              </a:spcBef>
+              <a:buClr>
+                <a:schemeClr val="accent6"/>
+              </a:buClr>
+              <a:buFont typeface="Courier New" panose="02070309020205020404" pitchFamily="49" charset="0"/>
+              <a:buChar char="o"/>
+              <a:defRPr sz="2400" kern="1200">
+                <a:solidFill>
+                  <a:schemeClr val="bg1"/>
+                </a:solidFill>
+                <a:latin typeface="+mn-lt"/>
+                <a:ea typeface="+mn-ea"/>
+                <a:cs typeface="Segoe UI" panose="020B0502040204020203" pitchFamily="34" charset="0"/>
+              </a:defRPr>
+            </a:lvl2pPr>
+            <a:lvl3pPr marL="1143000" indent="-347472" algn="l" defTabSz="914400" rtl="0" eaLnBrk="1" latinLnBrk="0" hangingPunct="1">
+              <a:lnSpc>
+                <a:spcPct val="90000"/>
+              </a:lnSpc>
+              <a:spcBef>
+                <a:spcPts val="500"/>
+              </a:spcBef>
+              <a:buClr>
+                <a:schemeClr val="accent6"/>
+              </a:buClr>
+              <a:buFont typeface="Courier New" panose="02070309020205020404" pitchFamily="49" charset="0"/>
+              <a:buChar char="o"/>
+              <a:defRPr sz="2000" kern="1200">
+                <a:solidFill>
+                  <a:schemeClr val="bg1"/>
+                </a:solidFill>
+                <a:latin typeface="+mn-lt"/>
+                <a:ea typeface="+mn-ea"/>
+                <a:cs typeface="Segoe UI" panose="020B0502040204020203" pitchFamily="34" charset="0"/>
+              </a:defRPr>
+            </a:lvl3pPr>
+            <a:lvl4pPr marL="1600200" indent="-347472" algn="l" defTabSz="914400" rtl="0" eaLnBrk="1" latinLnBrk="0" hangingPunct="1">
+              <a:lnSpc>
+                <a:spcPct val="90000"/>
+              </a:lnSpc>
+              <a:spcBef>
+                <a:spcPts val="500"/>
+              </a:spcBef>
+              <a:buClr>
+                <a:schemeClr val="accent6"/>
+              </a:buClr>
+              <a:buFont typeface="Courier New" panose="02070309020205020404" pitchFamily="49" charset="0"/>
+              <a:buChar char="o"/>
+              <a:defRPr sz="1800" kern="1200">
+                <a:solidFill>
+                  <a:schemeClr val="bg1"/>
+                </a:solidFill>
+                <a:latin typeface="+mn-lt"/>
+                <a:ea typeface="+mn-ea"/>
+                <a:cs typeface="Segoe UI" panose="020B0502040204020203" pitchFamily="34" charset="0"/>
+              </a:defRPr>
+            </a:lvl4pPr>
+            <a:lvl5pPr marL="2057400" indent="-347472" algn="l" defTabSz="914400" rtl="0" eaLnBrk="1" latinLnBrk="0" hangingPunct="1">
+              <a:lnSpc>
+                <a:spcPct val="90000"/>
+              </a:lnSpc>
+              <a:spcBef>
+                <a:spcPts val="500"/>
+              </a:spcBef>
+              <a:buClr>
+                <a:schemeClr val="accent6"/>
+              </a:buClr>
+              <a:buFont typeface="Courier New" panose="02070309020205020404" pitchFamily="49" charset="0"/>
+              <a:buChar char="o"/>
+              <a:defRPr sz="1800" kern="1200">
+                <a:solidFill>
+                  <a:schemeClr val="bg1"/>
+                </a:solidFill>
+                <a:latin typeface="+mn-lt"/>
+                <a:ea typeface="+mn-ea"/>
+                <a:cs typeface="Segoe UI" panose="020B0502040204020203" pitchFamily="34" charset="0"/>
+              </a:defRPr>
+            </a:lvl5pPr>
+            <a:lvl6pPr marL="2514600" indent="-228600" algn="l" defTabSz="914400" rtl="0" eaLnBrk="1" latinLnBrk="0" hangingPunct="1">
+              <a:lnSpc>
+                <a:spcPct val="90000"/>
+              </a:lnSpc>
+              <a:spcBef>
+                <a:spcPts val="500"/>
+              </a:spcBef>
+              <a:buFont typeface="Arial" panose="020B0604020202020204" pitchFamily="34" charset="0"/>
+              <a:buChar char="•"/>
+              <a:defRPr sz="1800" kern="1200">
+                <a:solidFill>
+                  <a:schemeClr val="tx1"/>
+                </a:solidFill>
+                <a:latin typeface="+mn-lt"/>
+                <a:ea typeface="+mn-ea"/>
+                <a:cs typeface="+mn-cs"/>
+              </a:defRPr>
+            </a:lvl6pPr>
+            <a:lvl7pPr marL="2971800" indent="-228600" algn="l" defTabSz="914400" rtl="0" eaLnBrk="1" latinLnBrk="0" hangingPunct="1">
+              <a:lnSpc>
+                <a:spcPct val="90000"/>
+              </a:lnSpc>
+              <a:spcBef>
+                <a:spcPts val="500"/>
+              </a:spcBef>
+              <a:buFont typeface="Arial" panose="020B0604020202020204" pitchFamily="34" charset="0"/>
+              <a:buChar char="•"/>
+              <a:defRPr sz="1800" kern="1200">
+                <a:solidFill>
+                  <a:schemeClr val="tx1"/>
+                </a:solidFill>
+                <a:latin typeface="+mn-lt"/>
+                <a:ea typeface="+mn-ea"/>
+                <a:cs typeface="+mn-cs"/>
+              </a:defRPr>
+            </a:lvl7pPr>
+            <a:lvl8pPr marL="3429000" indent="-228600" algn="l" defTabSz="914400" rtl="0" eaLnBrk="1" latinLnBrk="0" hangingPunct="1">
+              <a:lnSpc>
+                <a:spcPct val="90000"/>
+              </a:lnSpc>
+              <a:spcBef>
+                <a:spcPts val="500"/>
+              </a:spcBef>
+              <a:buFont typeface="Arial" panose="020B0604020202020204" pitchFamily="34" charset="0"/>
+              <a:buChar char="•"/>
+              <a:defRPr sz="1800" kern="1200">
+                <a:solidFill>
+                  <a:schemeClr val="tx1"/>
+                </a:solidFill>
+                <a:latin typeface="+mn-lt"/>
+                <a:ea typeface="+mn-ea"/>
+                <a:cs typeface="+mn-cs"/>
+              </a:defRPr>
+            </a:lvl8pPr>
+            <a:lvl9pPr marL="3886200" indent="-228600" algn="l" defTabSz="914400" rtl="0" eaLnBrk="1" latinLnBrk="0" hangingPunct="1">
+              <a:lnSpc>
+                <a:spcPct val="90000"/>
+              </a:lnSpc>
+              <a:spcBef>
+                <a:spcPts val="500"/>
+              </a:spcBef>
+              <a:buFont typeface="Arial" panose="020B0604020202020204" pitchFamily="34" charset="0"/>
+              <a:buChar char="•"/>
+              <a:defRPr sz="1800" kern="1200">
+                <a:solidFill>
+                  <a:schemeClr val="tx1"/>
+                </a:solidFill>
+                <a:latin typeface="+mn-lt"/>
+                <a:ea typeface="+mn-ea"/>
+                <a:cs typeface="+mn-cs"/>
+              </a:defRPr>
+            </a:lvl9pPr>
+          </a:lstStyle>
+          <a:p>
+            <a:endParaRPr lang="sr-Latn-RS" sz="2000" dirty="0">
+              <a:effectLst>
+                <a:outerShdw blurRad="50800" dist="38100" dir="2700000" algn="tl" rotWithShape="0">
+                  <a:prstClr val="black">
+                    <a:alpha val="40000"/>
+                  </a:prstClr>
+                </a:outerShdw>
+              </a:effectLst>
+            </a:endParaRPr>
+          </a:p>
+        </p:txBody>
+      </p:sp>
+      <p:sp>
+        <p:nvSpPr>
+          <p:cNvPr id="29" name="Content Placeholder 12">
+            <a:extLst>
+              <a:ext uri="{FF2B5EF4-FFF2-40B4-BE49-F238E27FC236}">
+                <a16:creationId xmlns:a16="http://schemas.microsoft.com/office/drawing/2014/main" id="{EBC5FD09-E4E7-64AF-971F-81BA2072350D}"/>
+              </a:ext>
+            </a:extLst>
+          </p:cNvPr>
+          <p:cNvSpPr txBox="1">
+            <a:spLocks/>
+          </p:cNvSpPr>
+          <p:nvPr/>
+        </p:nvSpPr>
+        <p:spPr>
+          <a:xfrm>
+            <a:off x="5049392" y="1611126"/>
+            <a:ext cx="5374768" cy="4515231"/>
+          </a:xfrm>
+          <a:prstGeom prst="rect">
+            <a:avLst/>
+          </a:prstGeom>
+        </p:spPr>
+        <p:txBody>
+          <a:bodyPr/>
+          <a:lstStyle>
+            <a:lvl1pPr marL="228600" indent="-347472" algn="l" defTabSz="914400" rtl="0" eaLnBrk="1" latinLnBrk="0" hangingPunct="1">
+              <a:lnSpc>
+                <a:spcPct val="90000"/>
+              </a:lnSpc>
+              <a:spcBef>
+                <a:spcPts val="1000"/>
+              </a:spcBef>
+              <a:buClr>
+                <a:schemeClr val="accent6"/>
+              </a:buClr>
+              <a:buFont typeface="Courier New" panose="02070309020205020404" pitchFamily="49" charset="0"/>
+              <a:buChar char="o"/>
+              <a:defRPr sz="2800" kern="1200">
+                <a:solidFill>
+                  <a:schemeClr val="bg1"/>
+                </a:solidFill>
+                <a:latin typeface="+mn-lt"/>
+                <a:ea typeface="+mn-ea"/>
+                <a:cs typeface="Segoe UI" panose="020B0502040204020203" pitchFamily="34" charset="0"/>
+              </a:defRPr>
+            </a:lvl1pPr>
+            <a:lvl2pPr marL="685800" indent="-347472" algn="l" defTabSz="914400" rtl="0" eaLnBrk="1" latinLnBrk="0" hangingPunct="1">
+              <a:lnSpc>
+                <a:spcPct val="90000"/>
+              </a:lnSpc>
+              <a:spcBef>
+                <a:spcPts val="500"/>
+              </a:spcBef>
+              <a:buClr>
+                <a:schemeClr val="accent6"/>
+              </a:buClr>
+              <a:buFont typeface="Courier New" panose="02070309020205020404" pitchFamily="49" charset="0"/>
+              <a:buChar char="o"/>
+              <a:defRPr sz="2400" kern="1200">
+                <a:solidFill>
+                  <a:schemeClr val="bg1"/>
+                </a:solidFill>
+                <a:latin typeface="+mn-lt"/>
+                <a:ea typeface="+mn-ea"/>
+                <a:cs typeface="Segoe UI" panose="020B0502040204020203" pitchFamily="34" charset="0"/>
+              </a:defRPr>
+            </a:lvl2pPr>
+            <a:lvl3pPr marL="1143000" indent="-347472" algn="l" defTabSz="914400" rtl="0" eaLnBrk="1" latinLnBrk="0" hangingPunct="1">
+              <a:lnSpc>
+                <a:spcPct val="90000"/>
+              </a:lnSpc>
+              <a:spcBef>
+                <a:spcPts val="500"/>
+              </a:spcBef>
+              <a:buClr>
+                <a:schemeClr val="accent6"/>
+              </a:buClr>
+              <a:buFont typeface="Courier New" panose="02070309020205020404" pitchFamily="49" charset="0"/>
+              <a:buChar char="o"/>
+              <a:defRPr sz="2000" kern="1200">
+                <a:solidFill>
+                  <a:schemeClr val="bg1"/>
+                </a:solidFill>
+                <a:latin typeface="+mn-lt"/>
+                <a:ea typeface="+mn-ea"/>
+                <a:cs typeface="Segoe UI" panose="020B0502040204020203" pitchFamily="34" charset="0"/>
+              </a:defRPr>
+            </a:lvl3pPr>
+            <a:lvl4pPr marL="1600200" indent="-347472" algn="l" defTabSz="914400" rtl="0" eaLnBrk="1" latinLnBrk="0" hangingPunct="1">
+              <a:lnSpc>
+                <a:spcPct val="90000"/>
+              </a:lnSpc>
+              <a:spcBef>
+                <a:spcPts val="500"/>
+              </a:spcBef>
+              <a:buClr>
+                <a:schemeClr val="accent6"/>
+              </a:buClr>
+              <a:buFont typeface="Courier New" panose="02070309020205020404" pitchFamily="49" charset="0"/>
+              <a:buChar char="o"/>
+              <a:defRPr sz="1800" kern="1200">
+                <a:solidFill>
+                  <a:schemeClr val="bg1"/>
+                </a:solidFill>
+                <a:latin typeface="+mn-lt"/>
+                <a:ea typeface="+mn-ea"/>
+                <a:cs typeface="Segoe UI" panose="020B0502040204020203" pitchFamily="34" charset="0"/>
+              </a:defRPr>
+            </a:lvl4pPr>
+            <a:lvl5pPr marL="2057400" indent="-347472" algn="l" defTabSz="914400" rtl="0" eaLnBrk="1" latinLnBrk="0" hangingPunct="1">
+              <a:lnSpc>
+                <a:spcPct val="90000"/>
+              </a:lnSpc>
+              <a:spcBef>
+                <a:spcPts val="500"/>
+              </a:spcBef>
+              <a:buClr>
+                <a:schemeClr val="accent6"/>
+              </a:buClr>
+              <a:buFont typeface="Courier New" panose="02070309020205020404" pitchFamily="49" charset="0"/>
+              <a:buChar char="o"/>
+              <a:defRPr sz="1800" kern="1200">
+                <a:solidFill>
+                  <a:schemeClr val="bg1"/>
+                </a:solidFill>
+                <a:latin typeface="+mn-lt"/>
+                <a:ea typeface="+mn-ea"/>
+                <a:cs typeface="Segoe UI" panose="020B0502040204020203" pitchFamily="34" charset="0"/>
+              </a:defRPr>
+            </a:lvl5pPr>
+            <a:lvl6pPr marL="2514600" indent="-228600" algn="l" defTabSz="914400" rtl="0" eaLnBrk="1" latinLnBrk="0" hangingPunct="1">
+              <a:lnSpc>
+                <a:spcPct val="90000"/>
+              </a:lnSpc>
+              <a:spcBef>
+                <a:spcPts val="500"/>
+              </a:spcBef>
+              <a:buFont typeface="Arial" panose="020B0604020202020204" pitchFamily="34" charset="0"/>
+              <a:buChar char="•"/>
+              <a:defRPr sz="1800" kern="1200">
+                <a:solidFill>
+                  <a:schemeClr val="tx1"/>
+                </a:solidFill>
+                <a:latin typeface="+mn-lt"/>
+                <a:ea typeface="+mn-ea"/>
+                <a:cs typeface="+mn-cs"/>
+              </a:defRPr>
+            </a:lvl6pPr>
+            <a:lvl7pPr marL="2971800" indent="-228600" algn="l" defTabSz="914400" rtl="0" eaLnBrk="1" latinLnBrk="0" hangingPunct="1">
+              <a:lnSpc>
+                <a:spcPct val="90000"/>
+              </a:lnSpc>
+              <a:spcBef>
+                <a:spcPts val="500"/>
+              </a:spcBef>
+              <a:buFont typeface="Arial" panose="020B0604020202020204" pitchFamily="34" charset="0"/>
+              <a:buChar char="•"/>
+              <a:defRPr sz="1800" kern="1200">
+                <a:solidFill>
+                  <a:schemeClr val="tx1"/>
+                </a:solidFill>
+                <a:latin typeface="+mn-lt"/>
+                <a:ea typeface="+mn-ea"/>
+                <a:cs typeface="+mn-cs"/>
+              </a:defRPr>
+            </a:lvl7pPr>
+            <a:lvl8pPr marL="3429000" indent="-228600" algn="l" defTabSz="914400" rtl="0" eaLnBrk="1" latinLnBrk="0" hangingPunct="1">
+              <a:lnSpc>
+                <a:spcPct val="90000"/>
+              </a:lnSpc>
+              <a:spcBef>
+                <a:spcPts val="500"/>
+              </a:spcBef>
+              <a:buFont typeface="Arial" panose="020B0604020202020204" pitchFamily="34" charset="0"/>
+              <a:buChar char="•"/>
+              <a:defRPr sz="1800" kern="1200">
+                <a:solidFill>
+                  <a:schemeClr val="tx1"/>
+                </a:solidFill>
+                <a:latin typeface="+mn-lt"/>
+                <a:ea typeface="+mn-ea"/>
+                <a:cs typeface="+mn-cs"/>
+              </a:defRPr>
+            </a:lvl8pPr>
+            <a:lvl9pPr marL="3886200" indent="-228600" algn="l" defTabSz="914400" rtl="0" eaLnBrk="1" latinLnBrk="0" hangingPunct="1">
+              <a:lnSpc>
+                <a:spcPct val="90000"/>
+              </a:lnSpc>
+              <a:spcBef>
+                <a:spcPts val="500"/>
+              </a:spcBef>
+              <a:buFont typeface="Arial" panose="020B0604020202020204" pitchFamily="34" charset="0"/>
+              <a:buChar char="•"/>
+              <a:defRPr sz="1800" kern="1200">
+                <a:solidFill>
+                  <a:schemeClr val="tx1"/>
+                </a:solidFill>
+                <a:latin typeface="+mn-lt"/>
+                <a:ea typeface="+mn-ea"/>
+                <a:cs typeface="+mn-cs"/>
+              </a:defRPr>
+            </a:lvl9pPr>
+          </a:lstStyle>
+          <a:p>
+            <a:r>
+              <a:rPr lang="sr-Latn-RS" sz="2000" dirty="0">
+                <a:effectLst>
+                  <a:outerShdw blurRad="50800" dist="38100" dir="2700000" algn="tl" rotWithShape="0">
+                    <a:prstClr val="black">
+                      <a:alpha val="40000"/>
+                    </a:prstClr>
+                  </a:outerShdw>
+                </a:effectLst>
+              </a:rPr>
               <a:t>Uklanjanje duplikata atributa</a:t>
             </a:r>
           </a:p>
@@ -19533,36 +20184,6 @@
       </p:sp>
       <p:sp>
         <p:nvSpPr>
-          <p:cNvPr id="13" name="Content Placeholder 12">
-            <a:extLst>
-              <a:ext uri="{FF2B5EF4-FFF2-40B4-BE49-F238E27FC236}">
-                <a16:creationId xmlns:a16="http://schemas.microsoft.com/office/drawing/2014/main" id="{9D69F5CA-6FA6-B5BC-0AC3-128DA0544D6E}"/>
-              </a:ext>
-            </a:extLst>
-          </p:cNvPr>
-          <p:cNvSpPr>
-            <a:spLocks noGrp="1"/>
-          </p:cNvSpPr>
-          <p:nvPr>
-            <p:ph sz="half" idx="2"/>
-          </p:nvPr>
-        </p:nvSpPr>
-        <p:spPr>
-          <a:xfrm>
-            <a:off x="5676900" y="1825625"/>
-            <a:ext cx="5334000" cy="4351338"/>
-          </a:xfrm>
-        </p:spPr>
-        <p:txBody>
-          <a:bodyPr/>
-          <a:lstStyle/>
-          <a:p>
-            <a:endParaRPr lang="en-US" sz="2000" dirty="0"/>
-          </a:p>
-        </p:txBody>
-      </p:sp>
-      <p:sp>
-        <p:nvSpPr>
           <p:cNvPr id="7" name="Slide Number Placeholder 6">
             <a:extLst>
               <a:ext uri="{FF2B5EF4-FFF2-40B4-BE49-F238E27FC236}">
@@ -19827,6 +20448,120 @@
           <a:prstGeom prst="rect">
             <a:avLst/>
           </a:prstGeom>
+        </p:spPr>
+      </p:pic>
+      <p:pic>
+        <p:nvPicPr>
+          <p:cNvPr id="1026" name="Picture 2">
+            <a:extLst>
+              <a:ext uri="{FF2B5EF4-FFF2-40B4-BE49-F238E27FC236}">
+                <a16:creationId xmlns:a16="http://schemas.microsoft.com/office/drawing/2014/main" id="{3AD80730-329A-7451-A0BD-844D0394D1AC}"/>
+              </a:ext>
+            </a:extLst>
+          </p:cNvPr>
+          <p:cNvPicPr>
+            <a:picLocks noGrp="1" noChangeAspect="1" noChangeArrowheads="1"/>
+          </p:cNvPicPr>
+          <p:nvPr>
+            <p:ph sz="half" idx="2"/>
+          </p:nvPr>
+        </p:nvPicPr>
+        <p:blipFill>
+          <a:blip r:embed="rId4">
+            <a:extLst>
+              <a:ext uri="{28A0092B-C50C-407E-A947-70E740481C1C}">
+                <a14:useLocalDpi xmlns:a14="http://schemas.microsoft.com/office/drawing/2010/main" val="0"/>
+              </a:ext>
+            </a:extLst>
+          </a:blip>
+          <a:srcRect/>
+          <a:stretch>
+            <a:fillRect/>
+          </a:stretch>
+        </p:blipFill>
+        <p:spPr bwMode="auto">
+          <a:xfrm>
+            <a:off x="5609609" y="1556105"/>
+            <a:ext cx="3505815" cy="4001548"/>
+          </a:xfrm>
+          <a:prstGeom prst="rect">
+            <a:avLst/>
+          </a:prstGeom>
+          <a:ln>
+            <a:noFill/>
+          </a:ln>
+          <a:effectLst>
+            <a:outerShdw blurRad="292100" dist="139700" dir="2700000" algn="tl" rotWithShape="0">
+              <a:srgbClr val="333333">
+                <a:alpha val="65000"/>
+              </a:srgbClr>
+            </a:outerShdw>
+          </a:effectLst>
+          <a:extLst>
+            <a:ext uri="{909E8E84-426E-40DD-AFC4-6F175D3DCCD1}">
+              <a14:hiddenFill xmlns:a14="http://schemas.microsoft.com/office/drawing/2010/main">
+                <a:solidFill>
+                  <a:srgbClr val="FFFFFF"/>
+                </a:solidFill>
+              </a14:hiddenFill>
+            </a:ext>
+          </a:extLst>
+        </p:spPr>
+      </p:pic>
+      <p:pic>
+        <p:nvPicPr>
+          <p:cNvPr id="2" name="Picture 2">
+            <a:extLst>
+              <a:ext uri="{FF2B5EF4-FFF2-40B4-BE49-F238E27FC236}">
+                <a16:creationId xmlns:a16="http://schemas.microsoft.com/office/drawing/2014/main" id="{3C67D6D5-9E7C-D67D-4F81-318D1FEADD59}"/>
+              </a:ext>
+            </a:extLst>
+          </p:cNvPr>
+          <p:cNvPicPr>
+            <a:picLocks noChangeAspect="1" noChangeArrowheads="1"/>
+          </p:cNvPicPr>
+          <p:nvPr/>
+        </p:nvPicPr>
+        <p:blipFill>
+          <a:blip r:embed="rId5">
+            <a:extLst>
+              <a:ext uri="{28A0092B-C50C-407E-A947-70E740481C1C}">
+                <a14:useLocalDpi xmlns:a14="http://schemas.microsoft.com/office/drawing/2010/main" val="0"/>
+              </a:ext>
+            </a:extLst>
+          </a:blip>
+          <a:srcRect/>
+          <a:stretch>
+            <a:fillRect/>
+          </a:stretch>
+        </p:blipFill>
+        <p:spPr bwMode="auto">
+          <a:xfrm>
+            <a:off x="7591424" y="3597652"/>
+            <a:ext cx="3914775" cy="2556260"/>
+          </a:xfrm>
+          <a:prstGeom prst="rect">
+            <a:avLst/>
+          </a:prstGeom>
+          <a:ln>
+            <a:noFill/>
+          </a:ln>
+          <a:effectLst>
+            <a:outerShdw blurRad="292100" dist="139700" dir="2700000" algn="tl" rotWithShape="0">
+              <a:srgbClr val="333333">
+                <a:alpha val="65000"/>
+              </a:srgbClr>
+            </a:outerShdw>
+          </a:effectLst>
+          <a:extLst>
+            <a:ext uri="{909E8E84-426E-40DD-AFC4-6F175D3DCCD1}">
+              <a14:hiddenFill xmlns:a14="http://schemas.microsoft.com/office/drawing/2010/main">
+                <a:solidFill>
+                  <a:srgbClr val="FFFFFF"/>
+                </a:solidFill>
+              </a14:hiddenFill>
+            </a:ext>
+          </a:extLst>
         </p:spPr>
       </p:pic>
     </p:spTree>

--- a/prezentacija.pptx
+++ b/prezentacija.pptx
@@ -17834,6 +17834,53 @@
           <a:chExt cx="0" cy="0"/>
         </a:xfrm>
       </p:grpSpPr>
+      <p:pic>
+        <p:nvPicPr>
+          <p:cNvPr id="1026" name="Picture 2">
+            <a:extLst>
+              <a:ext uri="{FF2B5EF4-FFF2-40B4-BE49-F238E27FC236}">
+                <a16:creationId xmlns:a16="http://schemas.microsoft.com/office/drawing/2014/main" id="{0906E8AE-6308-46A7-0222-77052BDA9110}"/>
+              </a:ext>
+            </a:extLst>
+          </p:cNvPr>
+          <p:cNvPicPr>
+            <a:picLocks noChangeAspect="1" noChangeArrowheads="1"/>
+          </p:cNvPicPr>
+          <p:nvPr/>
+        </p:nvPicPr>
+        <p:blipFill>
+          <a:blip r:embed="rId2">
+            <a:extLst>
+              <a:ext uri="{28A0092B-C50C-407E-A947-70E740481C1C}">
+                <a14:useLocalDpi xmlns:a14="http://schemas.microsoft.com/office/drawing/2010/main" val="0"/>
+              </a:ext>
+            </a:extLst>
+          </a:blip>
+          <a:srcRect/>
+          <a:stretch>
+            <a:fillRect/>
+          </a:stretch>
+        </p:blipFill>
+        <p:spPr bwMode="auto">
+          <a:xfrm>
+            <a:off x="6620637" y="1211458"/>
+            <a:ext cx="4502375" cy="2463443"/>
+          </a:xfrm>
+          <a:prstGeom prst="rect">
+            <a:avLst/>
+          </a:prstGeom>
+          <a:noFill/>
+          <a:extLst>
+            <a:ext uri="{909E8E84-426E-40DD-AFC4-6F175D3DCCD1}">
+              <a14:hiddenFill xmlns:a14="http://schemas.microsoft.com/office/drawing/2010/main">
+                <a:solidFill>
+                  <a:srgbClr val="FFFFFF"/>
+                </a:solidFill>
+              </a14:hiddenFill>
+            </a:ext>
+          </a:extLst>
+        </p:spPr>
+      </p:pic>
       <p:sp>
         <p:nvSpPr>
           <p:cNvPr id="2" name="Title 1">
@@ -17999,10 +18046,10 @@
       </p:sp>
       <p:sp>
         <p:nvSpPr>
-          <p:cNvPr id="28" name="Content Placeholder 12">
-            <a:extLst>
-              <a:ext uri="{FF2B5EF4-FFF2-40B4-BE49-F238E27FC236}">
-                <a16:creationId xmlns:a16="http://schemas.microsoft.com/office/drawing/2014/main" id="{E12041F6-1626-48B0-48CF-142E1A95555A}"/>
+          <p:cNvPr id="3" name="Title 1">
+            <a:extLst>
+              <a:ext uri="{FF2B5EF4-FFF2-40B4-BE49-F238E27FC236}">
+                <a16:creationId xmlns:a16="http://schemas.microsoft.com/office/drawing/2014/main" id="{57D959F5-65FA-7C5A-872A-C4E9F575A142}"/>
               </a:ext>
             </a:extLst>
           </p:cNvPr>
@@ -18013,447 +18060,132 @@
         </p:nvSpPr>
         <p:spPr>
           <a:xfrm>
-            <a:off x="5049392" y="1519808"/>
-            <a:ext cx="5597272" cy="4515231"/>
+            <a:off x="1459611" y="1089277"/>
+            <a:ext cx="8878824" cy="430531"/>
           </a:xfrm>
           <a:prstGeom prst="rect">
             <a:avLst/>
           </a:prstGeom>
         </p:spPr>
         <p:txBody>
-          <a:bodyPr/>
+          <a:bodyPr vert="horz" lIns="91440" tIns="45720" rIns="91440" bIns="45720" rtlCol="0" anchor="b">
+            <a:noAutofit/>
+          </a:bodyPr>
           <a:lstStyle>
-            <a:lvl1pPr marL="228600" indent="-347472" algn="l" defTabSz="914400" rtl="0" eaLnBrk="1" latinLnBrk="0" hangingPunct="1">
+            <a:lvl1pPr algn="l" defTabSz="914400" rtl="0" eaLnBrk="1" latinLnBrk="0" hangingPunct="1">
               <a:lnSpc>
                 <a:spcPct val="90000"/>
               </a:lnSpc>
               <a:spcBef>
-                <a:spcPts val="1000"/>
+                <a:spcPct val="0"/>
               </a:spcBef>
-              <a:buClr>
-                <a:schemeClr val="accent6"/>
-              </a:buClr>
-              <a:buFont typeface="Courier New" panose="02070309020205020404" pitchFamily="49" charset="0"/>
-              <a:buChar char="o"/>
-              <a:defRPr sz="2800" kern="1200">
+              <a:buNone/>
+              <a:defRPr sz="4000" b="1" kern="1200" cap="all" spc="600" baseline="0">
                 <a:solidFill>
                   <a:schemeClr val="bg1"/>
                 </a:solidFill>
-                <a:latin typeface="+mn-lt"/>
-                <a:ea typeface="+mn-ea"/>
-                <a:cs typeface="Segoe UI" panose="020B0502040204020203" pitchFamily="34" charset="0"/>
+                <a:latin typeface="+mj-lt"/>
+                <a:ea typeface="+mj-ea"/>
+                <a:cs typeface="+mj-cs"/>
               </a:defRPr>
             </a:lvl1pPr>
-            <a:lvl2pPr marL="685800" indent="-347472" algn="l" defTabSz="914400" rtl="0" eaLnBrk="1" latinLnBrk="0" hangingPunct="1">
-              <a:lnSpc>
-                <a:spcPct val="90000"/>
-              </a:lnSpc>
-              <a:spcBef>
-                <a:spcPts val="500"/>
-              </a:spcBef>
-              <a:buClr>
-                <a:schemeClr val="accent6"/>
-              </a:buClr>
-              <a:buFont typeface="Courier New" panose="02070309020205020404" pitchFamily="49" charset="0"/>
-              <a:buChar char="o"/>
-              <a:defRPr sz="2400" kern="1200">
-                <a:solidFill>
-                  <a:schemeClr val="bg1"/>
-                </a:solidFill>
-                <a:latin typeface="+mn-lt"/>
-                <a:ea typeface="+mn-ea"/>
-                <a:cs typeface="Segoe UI" panose="020B0502040204020203" pitchFamily="34" charset="0"/>
-              </a:defRPr>
-            </a:lvl2pPr>
-            <a:lvl3pPr marL="1143000" indent="-347472" algn="l" defTabSz="914400" rtl="0" eaLnBrk="1" latinLnBrk="0" hangingPunct="1">
-              <a:lnSpc>
-                <a:spcPct val="90000"/>
-              </a:lnSpc>
-              <a:spcBef>
-                <a:spcPts val="500"/>
-              </a:spcBef>
-              <a:buClr>
-                <a:schemeClr val="accent6"/>
-              </a:buClr>
-              <a:buFont typeface="Courier New" panose="02070309020205020404" pitchFamily="49" charset="0"/>
-              <a:buChar char="o"/>
-              <a:defRPr sz="2000" kern="1200">
-                <a:solidFill>
-                  <a:schemeClr val="bg1"/>
-                </a:solidFill>
-                <a:latin typeface="+mn-lt"/>
-                <a:ea typeface="+mn-ea"/>
-                <a:cs typeface="Segoe UI" panose="020B0502040204020203" pitchFamily="34" charset="0"/>
-              </a:defRPr>
-            </a:lvl3pPr>
-            <a:lvl4pPr marL="1600200" indent="-347472" algn="l" defTabSz="914400" rtl="0" eaLnBrk="1" latinLnBrk="0" hangingPunct="1">
-              <a:lnSpc>
-                <a:spcPct val="90000"/>
-              </a:lnSpc>
-              <a:spcBef>
-                <a:spcPts val="500"/>
-              </a:spcBef>
-              <a:buClr>
-                <a:schemeClr val="accent6"/>
-              </a:buClr>
-              <a:buFont typeface="Courier New" panose="02070309020205020404" pitchFamily="49" charset="0"/>
-              <a:buChar char="o"/>
-              <a:defRPr sz="1800" kern="1200">
-                <a:solidFill>
-                  <a:schemeClr val="bg1"/>
-                </a:solidFill>
-                <a:latin typeface="+mn-lt"/>
-                <a:ea typeface="+mn-ea"/>
-                <a:cs typeface="Segoe UI" panose="020B0502040204020203" pitchFamily="34" charset="0"/>
-              </a:defRPr>
-            </a:lvl4pPr>
-            <a:lvl5pPr marL="2057400" indent="-347472" algn="l" defTabSz="914400" rtl="0" eaLnBrk="1" latinLnBrk="0" hangingPunct="1">
-              <a:lnSpc>
-                <a:spcPct val="90000"/>
-              </a:lnSpc>
-              <a:spcBef>
-                <a:spcPts val="500"/>
-              </a:spcBef>
-              <a:buClr>
-                <a:schemeClr val="accent6"/>
-              </a:buClr>
-              <a:buFont typeface="Courier New" panose="02070309020205020404" pitchFamily="49" charset="0"/>
-              <a:buChar char="o"/>
-              <a:defRPr sz="1800" kern="1200">
-                <a:solidFill>
-                  <a:schemeClr val="bg1"/>
-                </a:solidFill>
-                <a:latin typeface="+mn-lt"/>
-                <a:ea typeface="+mn-ea"/>
-                <a:cs typeface="Segoe UI" panose="020B0502040204020203" pitchFamily="34" charset="0"/>
-              </a:defRPr>
-            </a:lvl5pPr>
-            <a:lvl6pPr marL="2514600" indent="-228600" algn="l" defTabSz="914400" rtl="0" eaLnBrk="1" latinLnBrk="0" hangingPunct="1">
-              <a:lnSpc>
-                <a:spcPct val="90000"/>
-              </a:lnSpc>
-              <a:spcBef>
-                <a:spcPts val="500"/>
-              </a:spcBef>
-              <a:buFont typeface="Arial" panose="020B0604020202020204" pitchFamily="34" charset="0"/>
-              <a:buChar char="•"/>
-              <a:defRPr sz="1800" kern="1200">
-                <a:solidFill>
-                  <a:schemeClr val="tx1"/>
-                </a:solidFill>
-                <a:latin typeface="+mn-lt"/>
-                <a:ea typeface="+mn-ea"/>
-                <a:cs typeface="+mn-cs"/>
-              </a:defRPr>
-            </a:lvl6pPr>
-            <a:lvl7pPr marL="2971800" indent="-228600" algn="l" defTabSz="914400" rtl="0" eaLnBrk="1" latinLnBrk="0" hangingPunct="1">
-              <a:lnSpc>
-                <a:spcPct val="90000"/>
-              </a:lnSpc>
-              <a:spcBef>
-                <a:spcPts val="500"/>
-              </a:spcBef>
-              <a:buFont typeface="Arial" panose="020B0604020202020204" pitchFamily="34" charset="0"/>
-              <a:buChar char="•"/>
-              <a:defRPr sz="1800" kern="1200">
-                <a:solidFill>
-                  <a:schemeClr val="tx1"/>
-                </a:solidFill>
-                <a:latin typeface="+mn-lt"/>
-                <a:ea typeface="+mn-ea"/>
-                <a:cs typeface="+mn-cs"/>
-              </a:defRPr>
-            </a:lvl7pPr>
-            <a:lvl8pPr marL="3429000" indent="-228600" algn="l" defTabSz="914400" rtl="0" eaLnBrk="1" latinLnBrk="0" hangingPunct="1">
-              <a:lnSpc>
-                <a:spcPct val="90000"/>
-              </a:lnSpc>
-              <a:spcBef>
-                <a:spcPts val="500"/>
-              </a:spcBef>
-              <a:buFont typeface="Arial" panose="020B0604020202020204" pitchFamily="34" charset="0"/>
-              <a:buChar char="•"/>
-              <a:defRPr sz="1800" kern="1200">
-                <a:solidFill>
-                  <a:schemeClr val="tx1"/>
-                </a:solidFill>
-                <a:latin typeface="+mn-lt"/>
-                <a:ea typeface="+mn-ea"/>
-                <a:cs typeface="+mn-cs"/>
-              </a:defRPr>
-            </a:lvl8pPr>
-            <a:lvl9pPr marL="3886200" indent="-228600" algn="l" defTabSz="914400" rtl="0" eaLnBrk="1" latinLnBrk="0" hangingPunct="1">
-              <a:lnSpc>
-                <a:spcPct val="90000"/>
-              </a:lnSpc>
-              <a:spcBef>
-                <a:spcPts val="500"/>
-              </a:spcBef>
-              <a:buFont typeface="Arial" panose="020B0604020202020204" pitchFamily="34" charset="0"/>
-              <a:buChar char="•"/>
-              <a:defRPr sz="1800" kern="1200">
-                <a:solidFill>
-                  <a:schemeClr val="tx1"/>
-                </a:solidFill>
-                <a:latin typeface="+mn-lt"/>
-                <a:ea typeface="+mn-ea"/>
-                <a:cs typeface="+mn-cs"/>
-              </a:defRPr>
-            </a:lvl9pPr>
           </a:lstStyle>
           <a:p>
-            <a:endParaRPr lang="sr-Latn-RS" sz="2000" dirty="0">
-              <a:effectLst>
-                <a:outerShdw blurRad="50800" dist="38100" dir="2700000" algn="tl" rotWithShape="0">
-                  <a:prstClr val="black">
-                    <a:alpha val="40000"/>
-                  </a:prstClr>
-                </a:outerShdw>
-              </a:effectLst>
-            </a:endParaRPr>
-          </a:p>
-        </p:txBody>
-      </p:sp>
-      <p:sp>
-        <p:nvSpPr>
-          <p:cNvPr id="29" name="Content Placeholder 12">
-            <a:extLst>
-              <a:ext uri="{FF2B5EF4-FFF2-40B4-BE49-F238E27FC236}">
-                <a16:creationId xmlns:a16="http://schemas.microsoft.com/office/drawing/2014/main" id="{EBC5FD09-E4E7-64AF-971F-81BA2072350D}"/>
-              </a:ext>
-            </a:extLst>
-          </p:cNvPr>
-          <p:cNvSpPr txBox="1">
-            <a:spLocks/>
-          </p:cNvSpPr>
+            <a:r>
+              <a:rPr lang="sr-Latn-RS" sz="2800" dirty="0">
+                <a:effectLst>
+                  <a:outerShdw blurRad="38100" dist="38100" dir="2700000" algn="tl">
+                    <a:srgbClr val="000000">
+                      <a:alpha val="43137"/>
+                    </a:srgbClr>
+                  </a:outerShdw>
+                </a:effectLst>
+              </a:rPr>
+              <a:t>Apriori algoritam</a:t>
+            </a:r>
+          </a:p>
+        </p:txBody>
+      </p:sp>
+      <p:pic>
+        <p:nvPicPr>
+          <p:cNvPr id="5" name="Picture 4">
+            <a:extLst>
+              <a:ext uri="{FF2B5EF4-FFF2-40B4-BE49-F238E27FC236}">
+                <a16:creationId xmlns:a16="http://schemas.microsoft.com/office/drawing/2014/main" id="{A22B2484-91D6-C768-050B-AAC2AD712EE2}"/>
+              </a:ext>
+            </a:extLst>
+          </p:cNvPr>
+          <p:cNvPicPr>
+            <a:picLocks noChangeAspect="1"/>
+          </p:cNvPicPr>
           <p:nvPr/>
-        </p:nvSpPr>
+        </p:nvPicPr>
+        <p:blipFill>
+          <a:blip r:embed="rId3"/>
+          <a:stretch>
+            <a:fillRect/>
+          </a:stretch>
+        </p:blipFill>
         <p:spPr>
           <a:xfrm>
-            <a:off x="5049392" y="1611126"/>
-            <a:ext cx="5374768" cy="4515231"/>
+            <a:off x="1459611" y="1574168"/>
+            <a:ext cx="6106287" cy="3779897"/>
           </a:xfrm>
           <a:prstGeom prst="rect">
             <a:avLst/>
           </a:prstGeom>
-        </p:spPr>
-        <p:txBody>
-          <a:bodyPr/>
-          <a:lstStyle>
-            <a:lvl1pPr marL="228600" indent="-347472" algn="l" defTabSz="914400" rtl="0" eaLnBrk="1" latinLnBrk="0" hangingPunct="1">
-              <a:lnSpc>
-                <a:spcPct val="90000"/>
-              </a:lnSpc>
-              <a:spcBef>
-                <a:spcPts val="1000"/>
-              </a:spcBef>
-              <a:buClr>
-                <a:schemeClr val="accent6"/>
-              </a:buClr>
-              <a:buFont typeface="Courier New" panose="02070309020205020404" pitchFamily="49" charset="0"/>
-              <a:buChar char="o"/>
-              <a:defRPr sz="2800" kern="1200">
-                <a:solidFill>
-                  <a:schemeClr val="bg1"/>
-                </a:solidFill>
-                <a:latin typeface="+mn-lt"/>
-                <a:ea typeface="+mn-ea"/>
-                <a:cs typeface="Segoe UI" panose="020B0502040204020203" pitchFamily="34" charset="0"/>
-              </a:defRPr>
-            </a:lvl1pPr>
-            <a:lvl2pPr marL="685800" indent="-347472" algn="l" defTabSz="914400" rtl="0" eaLnBrk="1" latinLnBrk="0" hangingPunct="1">
-              <a:lnSpc>
-                <a:spcPct val="90000"/>
-              </a:lnSpc>
-              <a:spcBef>
-                <a:spcPts val="500"/>
-              </a:spcBef>
-              <a:buClr>
-                <a:schemeClr val="accent6"/>
-              </a:buClr>
-              <a:buFont typeface="Courier New" panose="02070309020205020404" pitchFamily="49" charset="0"/>
-              <a:buChar char="o"/>
-              <a:defRPr sz="2400" kern="1200">
-                <a:solidFill>
-                  <a:schemeClr val="bg1"/>
-                </a:solidFill>
-                <a:latin typeface="+mn-lt"/>
-                <a:ea typeface="+mn-ea"/>
-                <a:cs typeface="Segoe UI" panose="020B0502040204020203" pitchFamily="34" charset="0"/>
-              </a:defRPr>
-            </a:lvl2pPr>
-            <a:lvl3pPr marL="1143000" indent="-347472" algn="l" defTabSz="914400" rtl="0" eaLnBrk="1" latinLnBrk="0" hangingPunct="1">
-              <a:lnSpc>
-                <a:spcPct val="90000"/>
-              </a:lnSpc>
-              <a:spcBef>
-                <a:spcPts val="500"/>
-              </a:spcBef>
-              <a:buClr>
-                <a:schemeClr val="accent6"/>
-              </a:buClr>
-              <a:buFont typeface="Courier New" panose="02070309020205020404" pitchFamily="49" charset="0"/>
-              <a:buChar char="o"/>
-              <a:defRPr sz="2000" kern="1200">
-                <a:solidFill>
-                  <a:schemeClr val="bg1"/>
-                </a:solidFill>
-                <a:latin typeface="+mn-lt"/>
-                <a:ea typeface="+mn-ea"/>
-                <a:cs typeface="Segoe UI" panose="020B0502040204020203" pitchFamily="34" charset="0"/>
-              </a:defRPr>
-            </a:lvl3pPr>
-            <a:lvl4pPr marL="1600200" indent="-347472" algn="l" defTabSz="914400" rtl="0" eaLnBrk="1" latinLnBrk="0" hangingPunct="1">
-              <a:lnSpc>
-                <a:spcPct val="90000"/>
-              </a:lnSpc>
-              <a:spcBef>
-                <a:spcPts val="500"/>
-              </a:spcBef>
-              <a:buClr>
-                <a:schemeClr val="accent6"/>
-              </a:buClr>
-              <a:buFont typeface="Courier New" panose="02070309020205020404" pitchFamily="49" charset="0"/>
-              <a:buChar char="o"/>
-              <a:defRPr sz="1800" kern="1200">
-                <a:solidFill>
-                  <a:schemeClr val="bg1"/>
-                </a:solidFill>
-                <a:latin typeface="+mn-lt"/>
-                <a:ea typeface="+mn-ea"/>
-                <a:cs typeface="Segoe UI" panose="020B0502040204020203" pitchFamily="34" charset="0"/>
-              </a:defRPr>
-            </a:lvl4pPr>
-            <a:lvl5pPr marL="2057400" indent="-347472" algn="l" defTabSz="914400" rtl="0" eaLnBrk="1" latinLnBrk="0" hangingPunct="1">
-              <a:lnSpc>
-                <a:spcPct val="90000"/>
-              </a:lnSpc>
-              <a:spcBef>
-                <a:spcPts val="500"/>
-              </a:spcBef>
-              <a:buClr>
-                <a:schemeClr val="accent6"/>
-              </a:buClr>
-              <a:buFont typeface="Courier New" panose="02070309020205020404" pitchFamily="49" charset="0"/>
-              <a:buChar char="o"/>
-              <a:defRPr sz="1800" kern="1200">
-                <a:solidFill>
-                  <a:schemeClr val="bg1"/>
-                </a:solidFill>
-                <a:latin typeface="+mn-lt"/>
-                <a:ea typeface="+mn-ea"/>
-                <a:cs typeface="Segoe UI" panose="020B0502040204020203" pitchFamily="34" charset="0"/>
-              </a:defRPr>
-            </a:lvl5pPr>
-            <a:lvl6pPr marL="2514600" indent="-228600" algn="l" defTabSz="914400" rtl="0" eaLnBrk="1" latinLnBrk="0" hangingPunct="1">
-              <a:lnSpc>
-                <a:spcPct val="90000"/>
-              </a:lnSpc>
-              <a:spcBef>
-                <a:spcPts val="500"/>
-              </a:spcBef>
-              <a:buFont typeface="Arial" panose="020B0604020202020204" pitchFamily="34" charset="0"/>
-              <a:buChar char="•"/>
-              <a:defRPr sz="1800" kern="1200">
-                <a:solidFill>
-                  <a:schemeClr val="tx1"/>
-                </a:solidFill>
-                <a:latin typeface="+mn-lt"/>
-                <a:ea typeface="+mn-ea"/>
-                <a:cs typeface="+mn-cs"/>
-              </a:defRPr>
-            </a:lvl6pPr>
-            <a:lvl7pPr marL="2971800" indent="-228600" algn="l" defTabSz="914400" rtl="0" eaLnBrk="1" latinLnBrk="0" hangingPunct="1">
-              <a:lnSpc>
-                <a:spcPct val="90000"/>
-              </a:lnSpc>
-              <a:spcBef>
-                <a:spcPts val="500"/>
-              </a:spcBef>
-              <a:buFont typeface="Arial" panose="020B0604020202020204" pitchFamily="34" charset="0"/>
-              <a:buChar char="•"/>
-              <a:defRPr sz="1800" kern="1200">
-                <a:solidFill>
-                  <a:schemeClr val="tx1"/>
-                </a:solidFill>
-                <a:latin typeface="+mn-lt"/>
-                <a:ea typeface="+mn-ea"/>
-                <a:cs typeface="+mn-cs"/>
-              </a:defRPr>
-            </a:lvl7pPr>
-            <a:lvl8pPr marL="3429000" indent="-228600" algn="l" defTabSz="914400" rtl="0" eaLnBrk="1" latinLnBrk="0" hangingPunct="1">
-              <a:lnSpc>
-                <a:spcPct val="90000"/>
-              </a:lnSpc>
-              <a:spcBef>
-                <a:spcPts val="500"/>
-              </a:spcBef>
-              <a:buFont typeface="Arial" panose="020B0604020202020204" pitchFamily="34" charset="0"/>
-              <a:buChar char="•"/>
-              <a:defRPr sz="1800" kern="1200">
-                <a:solidFill>
-                  <a:schemeClr val="tx1"/>
-                </a:solidFill>
-                <a:latin typeface="+mn-lt"/>
-                <a:ea typeface="+mn-ea"/>
-                <a:cs typeface="+mn-cs"/>
-              </a:defRPr>
-            </a:lvl8pPr>
-            <a:lvl9pPr marL="3886200" indent="-228600" algn="l" defTabSz="914400" rtl="0" eaLnBrk="1" latinLnBrk="0" hangingPunct="1">
-              <a:lnSpc>
-                <a:spcPct val="90000"/>
-              </a:lnSpc>
-              <a:spcBef>
-                <a:spcPts val="500"/>
-              </a:spcBef>
-              <a:buFont typeface="Arial" panose="020B0604020202020204" pitchFamily="34" charset="0"/>
-              <a:buChar char="•"/>
-              <a:defRPr sz="1800" kern="1200">
-                <a:solidFill>
-                  <a:schemeClr val="tx1"/>
-                </a:solidFill>
-                <a:latin typeface="+mn-lt"/>
-                <a:ea typeface="+mn-ea"/>
-                <a:cs typeface="+mn-cs"/>
-              </a:defRPr>
-            </a:lvl9pPr>
-          </a:lstStyle>
-          <a:p>
-            <a:r>
-              <a:rPr lang="en-US" sz="2000" dirty="0">
-                <a:effectLst>
-                  <a:outerShdw blurRad="50800" dist="38100" dir="2700000" algn="tl" rotWithShape="0">
-                    <a:prstClr val="black">
-                      <a:alpha val="40000"/>
-                    </a:prstClr>
-                  </a:outerShdw>
-                </a:effectLst>
-              </a:rPr>
-              <a:t>a</a:t>
-            </a:r>
-            <a:endParaRPr lang="sr-Latn-RS" sz="2000" dirty="0">
-              <a:effectLst>
-                <a:outerShdw blurRad="50800" dist="38100" dir="2700000" algn="tl" rotWithShape="0">
-                  <a:prstClr val="black">
-                    <a:alpha val="40000"/>
-                  </a:prstClr>
-                </a:outerShdw>
-              </a:effectLst>
-            </a:endParaRPr>
-          </a:p>
-          <a:p>
-            <a:endParaRPr lang="sr-Latn-RS" sz="2000" dirty="0">
-              <a:effectLst>
-                <a:outerShdw blurRad="50800" dist="38100" dir="2700000" algn="tl" rotWithShape="0">
-                  <a:prstClr val="black">
-                    <a:alpha val="40000"/>
-                  </a:prstClr>
-                </a:outerShdw>
-              </a:effectLst>
-            </a:endParaRPr>
-          </a:p>
-        </p:txBody>
-      </p:sp>
+          <a:ln>
+            <a:noFill/>
+          </a:ln>
+          <a:effectLst>
+            <a:outerShdw blurRad="292100" dist="139700" dir="2700000" algn="tl" rotWithShape="0">
+              <a:srgbClr val="333333">
+                <a:alpha val="65000"/>
+              </a:srgbClr>
+            </a:outerShdw>
+          </a:effectLst>
+        </p:spPr>
+      </p:pic>
+      <p:pic>
+        <p:nvPicPr>
+          <p:cNvPr id="4" name="Picture 3">
+            <a:extLst>
+              <a:ext uri="{FF2B5EF4-FFF2-40B4-BE49-F238E27FC236}">
+                <a16:creationId xmlns:a16="http://schemas.microsoft.com/office/drawing/2014/main" id="{9A191795-38E6-5DF7-500D-6F592C18E154}"/>
+              </a:ext>
+            </a:extLst>
+          </p:cNvPr>
+          <p:cNvPicPr>
+            <a:picLocks noChangeAspect="1"/>
+          </p:cNvPicPr>
+          <p:nvPr/>
+        </p:nvPicPr>
+        <p:blipFill>
+          <a:blip r:embed="rId4"/>
+          <a:stretch>
+            <a:fillRect/>
+          </a:stretch>
+        </p:blipFill>
+        <p:spPr>
+          <a:xfrm>
+            <a:off x="6672311" y="3386214"/>
+            <a:ext cx="3883152" cy="2277618"/>
+          </a:xfrm>
+          <a:prstGeom prst="rect">
+            <a:avLst/>
+          </a:prstGeom>
+          <a:ln>
+            <a:noFill/>
+          </a:ln>
+          <a:effectLst>
+            <a:outerShdw blurRad="292100" dist="139700" dir="2700000" algn="tl" rotWithShape="0">
+              <a:srgbClr val="333333">
+                <a:alpha val="65000"/>
+              </a:srgbClr>
+            </a:outerShdw>
+          </a:effectLst>
+        </p:spPr>
+      </p:pic>
     </p:spTree>
     <p:extLst>
       <p:ext uri="{BB962C8B-B14F-4D97-AF65-F5344CB8AC3E}">
@@ -18546,34 +18278,25 @@
           <a:lstStyle/>
           <a:p>
             <a:r>
-              <a:rPr lang="en-US" sz="1800" dirty="0" err="1">
-                <a:solidFill>
-                  <a:schemeClr val="bg1"/>
-                </a:solidFill>
-                <a:latin typeface="Segoe UI Light" panose="020B0502040204020203" pitchFamily="34" charset="0"/>
-                <a:ea typeface="+mn-lt"/>
-                <a:cs typeface="Segoe UI Light" panose="020B0502040204020203" pitchFamily="34" charset="0"/>
-              </a:rPr>
-              <a:t>Zaklju</a:t>
-            </a:r>
-            <a:r>
-              <a:rPr lang="en-US" dirty="0" err="1">
-                <a:latin typeface="Segoe UI Light" panose="020B0502040204020203" pitchFamily="34" charset="0"/>
-                <a:ea typeface="+mn-lt"/>
-                <a:cs typeface="Segoe UI Light" panose="020B0502040204020203" pitchFamily="34" charset="0"/>
-              </a:rPr>
-              <a:t>cak</a:t>
-            </a:r>
-            <a:endParaRPr lang="en-US" sz="1800" dirty="0">
-              <a:solidFill>
-                <a:schemeClr val="bg1"/>
-              </a:solidFill>
-              <a:latin typeface="Segoe UI Light" panose="020B0502040204020203" pitchFamily="34" charset="0"/>
-              <a:ea typeface="+mn-lt"/>
-              <a:cs typeface="Segoe UI Light" panose="020B0502040204020203" pitchFamily="34" charset="0"/>
-            </a:endParaRPr>
-          </a:p>
-          <a:p>
+              <a:rPr lang="sr-Latn-RS" dirty="0"/>
+              <a:t>Svaka metoda istraživanja podatak ima svoju prednost i manu. Za ovaj konkretan skup podataka kao najbolje su se pokazale metode za klasifikaciju, primarno </a:t>
+            </a:r>
+            <a:r>
+              <a:rPr lang="sr-Latn-RS" dirty="0" err="1"/>
+              <a:t>Multinomialni</a:t>
+            </a:r>
+            <a:r>
+              <a:rPr lang="sr-Latn-RS" dirty="0"/>
+              <a:t> Naivni </a:t>
+            </a:r>
+            <a:r>
+              <a:rPr lang="sr-Latn-RS" dirty="0" err="1"/>
+              <a:t>Bajes</a:t>
+            </a:r>
+            <a:r>
+              <a:rPr lang="sr-Latn-RS" dirty="0"/>
+              <a:t> i Slučajna Šuma.</a:t>
+            </a:r>
             <a:endParaRPr lang="en-US" dirty="0"/>
           </a:p>
         </p:txBody>
@@ -23133,12 +22856,23 @@
 </file>
 
 <file path=customXml/item1.xml><?xml version="1.0" encoding="utf-8"?>
-<?mso-contentType ?>
-<FormTemplates xmlns="http://schemas.microsoft.com/sharepoint/v3/contenttype/forms">
-  <Display>DocumentLibraryForm</Display>
-  <Edit>DocumentLibraryForm</Edit>
-  <New>DocumentLibraryForm</New>
-</FormTemplates>
+<p:properties xmlns:p="http://schemas.microsoft.com/office/2006/metadata/properties" xmlns:xsi="http://www.w3.org/2001/XMLSchema-instance" xmlns:pc="http://schemas.microsoft.com/office/infopath/2007/PartnerControls">
+  <documentManagement>
+    <_ip_UnifiedCompliancePolicyUIAction xmlns="http://schemas.microsoft.com/sharepoint/v3" xsi:nil="true"/>
+    <Image xmlns="71af3243-3dd4-4a8d-8c0d-dd76da1f02a5">
+      <Url xsi:nil="true"/>
+      <Description xsi:nil="true"/>
+    </Image>
+    <Status xmlns="71af3243-3dd4-4a8d-8c0d-dd76da1f02a5">Not started</Status>
+    <Background xmlns="71af3243-3dd4-4a8d-8c0d-dd76da1f02a5">false</Background>
+    <_ip_UnifiedCompliancePolicyProperties xmlns="http://schemas.microsoft.com/sharepoint/v3" xsi:nil="true"/>
+    <ImageTagsTaxHTField xmlns="71af3243-3dd4-4a8d-8c0d-dd76da1f02a5">
+      <Terms xmlns="http://schemas.microsoft.com/office/infopath/2007/PartnerControls"/>
+    </ImageTagsTaxHTField>
+    <TaxCatchAll xmlns="230e9df3-be65-4c73-a93b-d1236ebd677e" xsi:nil="true"/>
+    <MediaServiceKeyPoints xmlns="71af3243-3dd4-4a8d-8c0d-dd76da1f02a5" xsi:nil="true"/>
+  </documentManagement>
+</p:properties>
 </file>
 
 <file path=customXml/item2.xml><?xml version="1.0" encoding="utf-8"?>
@@ -23436,29 +23170,22 @@
 </file>
 
 <file path=customXml/item3.xml><?xml version="1.0" encoding="utf-8"?>
-<p:properties xmlns:p="http://schemas.microsoft.com/office/2006/metadata/properties" xmlns:xsi="http://www.w3.org/2001/XMLSchema-instance" xmlns:pc="http://schemas.microsoft.com/office/infopath/2007/PartnerControls">
-  <documentManagement>
-    <_ip_UnifiedCompliancePolicyUIAction xmlns="http://schemas.microsoft.com/sharepoint/v3" xsi:nil="true"/>
-    <Image xmlns="71af3243-3dd4-4a8d-8c0d-dd76da1f02a5">
-      <Url xsi:nil="true"/>
-      <Description xsi:nil="true"/>
-    </Image>
-    <Status xmlns="71af3243-3dd4-4a8d-8c0d-dd76da1f02a5">Not started</Status>
-    <Background xmlns="71af3243-3dd4-4a8d-8c0d-dd76da1f02a5">false</Background>
-    <_ip_UnifiedCompliancePolicyProperties xmlns="http://schemas.microsoft.com/sharepoint/v3" xsi:nil="true"/>
-    <ImageTagsTaxHTField xmlns="71af3243-3dd4-4a8d-8c0d-dd76da1f02a5">
-      <Terms xmlns="http://schemas.microsoft.com/office/infopath/2007/PartnerControls"/>
-    </ImageTagsTaxHTField>
-    <TaxCatchAll xmlns="230e9df3-be65-4c73-a93b-d1236ebd677e" xsi:nil="true"/>
-    <MediaServiceKeyPoints xmlns="71af3243-3dd4-4a8d-8c0d-dd76da1f02a5" xsi:nil="true"/>
-  </documentManagement>
-</p:properties>
+<?mso-contentType ?>
+<FormTemplates xmlns="http://schemas.microsoft.com/sharepoint/v3/contenttype/forms">
+  <Display>DocumentLibraryForm</Display>
+  <Edit>DocumentLibraryForm</Edit>
+  <New>DocumentLibraryForm</New>
+</FormTemplates>
 </file>
 
 <file path=customXml/itemProps1.xml><?xml version="1.0" encoding="utf-8"?>
-<ds:datastoreItem xmlns:ds="http://schemas.openxmlformats.org/officeDocument/2006/customXml" ds:itemID="{4F1F1912-3146-44AF-A389-9E8B77BB3688}">
+<ds:datastoreItem xmlns:ds="http://schemas.openxmlformats.org/officeDocument/2006/customXml" ds:itemID="{F8B8ECF1-2A9D-464C-AFE8-2B3295D0BF97}">
   <ds:schemaRefs>
-    <ds:schemaRef ds:uri="http://schemas.microsoft.com/sharepoint/v3/contenttype/forms"/>
+    <ds:schemaRef ds:uri="http://schemas.microsoft.com/office/2006/metadata/properties"/>
+    <ds:schemaRef ds:uri="http://schemas.microsoft.com/office/infopath/2007/PartnerControls"/>
+    <ds:schemaRef ds:uri="http://schemas.microsoft.com/sharepoint/v3"/>
+    <ds:schemaRef ds:uri="71af3243-3dd4-4a8d-8c0d-dd76da1f02a5"/>
+    <ds:schemaRef ds:uri="230e9df3-be65-4c73-a93b-d1236ebd677e"/>
   </ds:schemaRefs>
 </ds:datastoreItem>
 </file>
@@ -23485,13 +23212,9 @@
 </file>
 
 <file path=customXml/itemProps3.xml><?xml version="1.0" encoding="utf-8"?>
-<ds:datastoreItem xmlns:ds="http://schemas.openxmlformats.org/officeDocument/2006/customXml" ds:itemID="{F8B8ECF1-2A9D-464C-AFE8-2B3295D0BF97}">
+<ds:datastoreItem xmlns:ds="http://schemas.openxmlformats.org/officeDocument/2006/customXml" ds:itemID="{4F1F1912-3146-44AF-A389-9E8B77BB3688}">
   <ds:schemaRefs>
-    <ds:schemaRef ds:uri="http://schemas.microsoft.com/office/2006/metadata/properties"/>
-    <ds:schemaRef ds:uri="http://schemas.microsoft.com/office/infopath/2007/PartnerControls"/>
-    <ds:schemaRef ds:uri="http://schemas.microsoft.com/sharepoint/v3"/>
-    <ds:schemaRef ds:uri="71af3243-3dd4-4a8d-8c0d-dd76da1f02a5"/>
-    <ds:schemaRef ds:uri="230e9df3-be65-4c73-a93b-d1236ebd677e"/>
+    <ds:schemaRef ds:uri="http://schemas.microsoft.com/sharepoint/v3/contenttype/forms"/>
   </ds:schemaRefs>
 </ds:datastoreItem>
 </file>
